--- a/Pre.pptx
+++ b/Pre.pptx
@@ -8,30 +8,28 @@
     <p:sldId id="256" r:id="rId2"/>
     <p:sldId id="277" r:id="rId3"/>
     <p:sldId id="270" r:id="rId4"/>
-    <p:sldId id="275" r:id="rId5"/>
-    <p:sldId id="276" r:id="rId6"/>
-    <p:sldId id="278" r:id="rId7"/>
-    <p:sldId id="279" r:id="rId8"/>
-    <p:sldId id="281" r:id="rId9"/>
-    <p:sldId id="282" r:id="rId10"/>
-    <p:sldId id="283" r:id="rId11"/>
-    <p:sldId id="284" r:id="rId12"/>
-    <p:sldId id="285" r:id="rId13"/>
-    <p:sldId id="298" r:id="rId14"/>
-    <p:sldId id="286" r:id="rId15"/>
-    <p:sldId id="288" r:id="rId16"/>
-    <p:sldId id="289" r:id="rId17"/>
-    <p:sldId id="287" r:id="rId18"/>
-    <p:sldId id="290" r:id="rId19"/>
-    <p:sldId id="291" r:id="rId20"/>
-    <p:sldId id="293" r:id="rId21"/>
-    <p:sldId id="292" r:id="rId22"/>
-    <p:sldId id="294" r:id="rId23"/>
-    <p:sldId id="295" r:id="rId24"/>
-    <p:sldId id="296" r:id="rId25"/>
-    <p:sldId id="274" r:id="rId26"/>
-    <p:sldId id="299" r:id="rId27"/>
-    <p:sldId id="280" r:id="rId28"/>
+    <p:sldId id="276" r:id="rId5"/>
+    <p:sldId id="278" r:id="rId6"/>
+    <p:sldId id="281" r:id="rId7"/>
+    <p:sldId id="282" r:id="rId8"/>
+    <p:sldId id="283" r:id="rId9"/>
+    <p:sldId id="284" r:id="rId10"/>
+    <p:sldId id="285" r:id="rId11"/>
+    <p:sldId id="298" r:id="rId12"/>
+    <p:sldId id="286" r:id="rId13"/>
+    <p:sldId id="288" r:id="rId14"/>
+    <p:sldId id="289" r:id="rId15"/>
+    <p:sldId id="287" r:id="rId16"/>
+    <p:sldId id="290" r:id="rId17"/>
+    <p:sldId id="291" r:id="rId18"/>
+    <p:sldId id="293" r:id="rId19"/>
+    <p:sldId id="292" r:id="rId20"/>
+    <p:sldId id="294" r:id="rId21"/>
+    <p:sldId id="295" r:id="rId22"/>
+    <p:sldId id="296" r:id="rId23"/>
+    <p:sldId id="274" r:id="rId24"/>
+    <p:sldId id="299" r:id="rId25"/>
+    <p:sldId id="280" r:id="rId26"/>
   </p:sldIdLst>
   <p:sldSz cx="12192000" cy="6858000"/>
   <p:notesSz cx="6858000" cy="9144000"/>
@@ -5908,7 +5906,7 @@
           <a:p>
             <a:r>
               <a:rPr lang="en-MY" dirty="0"/>
-              <a:t>Group 8 Presenter: MATSUNAGA TAKEHIRO 518030990028</a:t>
+              <a:t>Group 8 Presenter: TAKEHIRO MATSUNAGA 518030990028</a:t>
             </a:r>
           </a:p>
           <a:p>
@@ -5973,7 +5971,7 @@
           <p:cNvPr id="2" name="Title 1">
             <a:extLst>
               <a:ext uri="{FF2B5EF4-FFF2-40B4-BE49-F238E27FC236}">
-                <a16:creationId xmlns:a16="http://schemas.microsoft.com/office/drawing/2014/main" id="{9E8DE958-F766-43C9-A90E-7DB421810679}"/>
+                <a16:creationId xmlns:a16="http://schemas.microsoft.com/office/drawing/2014/main" id="{21FF45D8-377F-4CC2-8AE3-CA1A9D3AE3BE}"/>
               </a:ext>
             </a:extLst>
           </p:cNvPr>
@@ -5990,10 +5988,9 @@
           <a:lstStyle/>
           <a:p>
             <a:r>
-              <a:rPr lang="en-US" altLang="zh-CN" dirty="0"/>
-              <a:t>Performance</a:t>
-            </a:r>
-            <a:endParaRPr lang="en-MY" dirty="0"/>
+              <a:rPr lang="en-MY" dirty="0"/>
+              <a:t>What is LSTM?</a:t>
+            </a:r>
           </a:p>
         </p:txBody>
       </p:sp>
@@ -6002,7 +5999,7 @@
           <p:cNvPr id="3" name="Content Placeholder 2">
             <a:extLst>
               <a:ext uri="{FF2B5EF4-FFF2-40B4-BE49-F238E27FC236}">
-                <a16:creationId xmlns:a16="http://schemas.microsoft.com/office/drawing/2014/main" id="{C98048D2-4401-4A54-826E-53EBE8361D2E}"/>
+                <a16:creationId xmlns:a16="http://schemas.microsoft.com/office/drawing/2014/main" id="{C0E7BA72-9E50-499E-90A3-5D9086B36678}"/>
               </a:ext>
             </a:extLst>
           </p:cNvPr>
@@ -6019,76 +6016,178 @@
           <a:lstStyle/>
           <a:p>
             <a:r>
-              <a:rPr lang="en-MY" dirty="0"/>
-              <a:t>The training did not converge </a:t>
-            </a:r>
-            <a:r>
-              <a:rPr lang="en-US" altLang="zh-CN" dirty="0"/>
-              <a:t>well</a:t>
-            </a:r>
-            <a:r>
-              <a:rPr lang="en-MY" dirty="0"/>
-              <a:t>.</a:t>
-            </a:r>
-          </a:p>
-          <a:p>
-            <a:r>
-              <a:rPr lang="en-US" dirty="0"/>
-              <a:t>What we</a:t>
+              <a:rPr lang="en-MY" dirty="0">
+                <a:solidFill>
+                  <a:schemeClr val="tx1"/>
+                </a:solidFill>
+              </a:rPr>
+              <a:t>A type of </a:t>
             </a:r>
             <a:r>
               <a:rPr lang="en-US" dirty="0">
+                <a:solidFill>
+                  <a:schemeClr val="tx1"/>
+                </a:solidFill>
                 <a:effectLst/>
+                <a:latin typeface="Arial" panose="020B0604020202020204" pitchFamily="34" charset="0"/>
               </a:rPr>
-              <a:t> tried </a:t>
+              <a:t>recurrent neural network (RNN) architecture. </a:t>
+            </a:r>
+          </a:p>
+          <a:p>
+            <a:r>
+              <a:rPr lang="en-US" dirty="0">
+                <a:solidFill>
+                  <a:srgbClr val="202122"/>
+                </a:solidFill>
+                <a:effectLst/>
+                <a:latin typeface="Arial" panose="020B0604020202020204" pitchFamily="34" charset="0"/>
+              </a:rPr>
+              <a:t>A common LSTM unit is composed of:</a:t>
             </a:r>
           </a:p>
           <a:p>
             <a:pPr lvl="1"/>
             <a:r>
               <a:rPr lang="en-US" dirty="0">
+                <a:solidFill>
+                  <a:srgbClr val="202122"/>
+                </a:solidFill>
                 <a:effectLst/>
+                <a:latin typeface="Arial" panose="020B0604020202020204" pitchFamily="34" charset="0"/>
               </a:rPr>
-              <a:t>modifying various parameters </a:t>
+              <a:t>a cell: remembers values over time intervals</a:t>
+            </a:r>
+          </a:p>
+          <a:p>
+            <a:pPr lvl="1"/>
+            <a:r>
+              <a:rPr lang="en-US" dirty="0">
+                <a:solidFill>
+                  <a:srgbClr val="202122"/>
+                </a:solidFill>
+                <a:latin typeface="Arial" panose="020B0604020202020204" pitchFamily="34" charset="0"/>
+              </a:rPr>
+              <a:t>3 gates to </a:t>
+            </a:r>
+            <a:r>
+              <a:rPr lang="en-US" sz="1600" dirty="0">
+                <a:solidFill>
+                  <a:srgbClr val="202122"/>
+                </a:solidFill>
+                <a:effectLst/>
+                <a:latin typeface="Arial" panose="020B0604020202020204" pitchFamily="34" charset="0"/>
+              </a:rPr>
+              <a:t>regulate the flow of information into and out of the cell.</a:t>
             </a:r>
           </a:p>
           <a:p>
             <a:pPr lvl="2"/>
             <a:r>
               <a:rPr lang="en-US" dirty="0">
+                <a:solidFill>
+                  <a:srgbClr val="202122"/>
+                </a:solidFill>
                 <a:effectLst/>
+                <a:latin typeface="Arial" panose="020B0604020202020204" pitchFamily="34" charset="0"/>
               </a:rPr>
-              <a:t>Epochs, learning rate, etc.</a:t>
+              <a:t>forget gate: decides to forget which information.</a:t>
+            </a:r>
+          </a:p>
+          <a:p>
+            <a:pPr lvl="2"/>
+            <a:r>
+              <a:rPr lang="en-US" dirty="0">
+                <a:solidFill>
+                  <a:srgbClr val="202122"/>
+                </a:solidFill>
+                <a:effectLst/>
+                <a:latin typeface="Arial" panose="020B0604020202020204" pitchFamily="34" charset="0"/>
+              </a:rPr>
+              <a:t>input gate: decides to update which value, and update cell states.</a:t>
+            </a:r>
+          </a:p>
+          <a:p>
+            <a:pPr lvl="2"/>
+            <a:r>
+              <a:rPr lang="en-US" dirty="0">
+                <a:solidFill>
+                  <a:srgbClr val="202122"/>
+                </a:solidFill>
+                <a:effectLst/>
+                <a:latin typeface="Arial" panose="020B0604020202020204" pitchFamily="34" charset="0"/>
+              </a:rPr>
+              <a:t>output gate: output filtered cell states.</a:t>
+            </a:r>
+          </a:p>
+          <a:p>
+            <a:r>
+              <a:rPr lang="en-US" dirty="0">
+                <a:solidFill>
+                  <a:srgbClr val="202122"/>
+                </a:solidFill>
+                <a:effectLst/>
+                <a:latin typeface="Arial" panose="020B0604020202020204" pitchFamily="34" charset="0"/>
+                <a:cs typeface="Arial" panose="020B0604020202020204" pitchFamily="34" charset="0"/>
+              </a:rPr>
+              <a:t>TL;DR</a:t>
+            </a:r>
+            <a:r>
+              <a:rPr lang="en-US" dirty="0">
+                <a:solidFill>
+                  <a:srgbClr val="202122"/>
+                </a:solidFill>
+                <a:latin typeface="Arial" panose="020B0604020202020204" pitchFamily="34" charset="0"/>
+                <a:cs typeface="Arial" panose="020B0604020202020204" pitchFamily="34" charset="0"/>
+              </a:rPr>
+              <a:t>: use past context to predict the output.</a:t>
             </a:r>
           </a:p>
           <a:p>
             <a:pPr lvl="1"/>
             <a:r>
               <a:rPr lang="en-US" dirty="0">
+                <a:solidFill>
+                  <a:srgbClr val="202122"/>
+                </a:solidFill>
                 <a:effectLst/>
+                <a:latin typeface="Arial" panose="020B0604020202020204" pitchFamily="34" charset="0"/>
+                <a:cs typeface="Arial" panose="020B0604020202020204" pitchFamily="34" charset="0"/>
               </a:rPr>
-              <a:t>adjusting the depth of the model</a:t>
-            </a:r>
-          </a:p>
-          <a:p>
-            <a:r>
-              <a:rPr lang="en-US" dirty="0"/>
-              <a:t>B</a:t>
-            </a:r>
+              <a:t>Example: trying to predict next word based on given sentence </a:t>
+            </a:r>
+          </a:p>
+          <a:p>
+            <a:pPr lvl="1"/>
             <a:r>
               <a:rPr lang="en-US" dirty="0">
+                <a:solidFill>
+                  <a:srgbClr val="202122"/>
+                </a:solidFill>
                 <a:effectLst/>
+                <a:latin typeface="Arial" panose="020B0604020202020204" pitchFamily="34" charset="0"/>
+                <a:cs typeface="Arial" panose="020B0604020202020204" pitchFamily="34" charset="0"/>
               </a:rPr>
-              <a:t>ut in the end it couldn't work. </a:t>
-            </a:r>
-            <a:endParaRPr lang="en-MY" dirty="0"/>
+              <a:t>“he went to pool to …”</a:t>
+            </a:r>
+          </a:p>
+          <a:p>
+            <a:pPr lvl="1"/>
+            <a:endParaRPr lang="en-US" dirty="0">
+              <a:solidFill>
+                <a:srgbClr val="202122"/>
+              </a:solidFill>
+              <a:effectLst/>
+              <a:latin typeface="Arial" panose="020B0604020202020204" pitchFamily="34" charset="0"/>
+              <a:cs typeface="Arial" panose="020B0604020202020204" pitchFamily="34" charset="0"/>
+            </a:endParaRPr>
           </a:p>
         </p:txBody>
       </p:sp>
     </p:spTree>
     <p:extLst>
       <p:ext uri="{BB962C8B-B14F-4D97-AF65-F5344CB8AC3E}">
-        <p14:creationId xmlns:p14="http://schemas.microsoft.com/office/powerpoint/2010/main" val="3229893653"/>
+        <p14:creationId xmlns:p14="http://schemas.microsoft.com/office/powerpoint/2010/main" val="1964593517"/>
       </p:ext>
     </p:extLst>
   </p:cSld>
@@ -6120,349 +6219,6 @@
           <p:cNvPr id="2" name="Title 1">
             <a:extLst>
               <a:ext uri="{FF2B5EF4-FFF2-40B4-BE49-F238E27FC236}">
-                <a16:creationId xmlns:a16="http://schemas.microsoft.com/office/drawing/2014/main" id="{13EBCDCC-AC0E-4224-98FD-2780A74AE843}"/>
-              </a:ext>
-            </a:extLst>
-          </p:cNvPr>
-          <p:cNvSpPr>
-            <a:spLocks noGrp="1"/>
-          </p:cNvSpPr>
-          <p:nvPr>
-            <p:ph type="ctrTitle"/>
-          </p:nvPr>
-        </p:nvSpPr>
-        <p:spPr/>
-        <p:txBody>
-          <a:bodyPr/>
-          <a:lstStyle/>
-          <a:p>
-            <a:r>
-              <a:rPr lang="en-MY" altLang="zh-CN" dirty="0"/>
-              <a:t>Model Overview</a:t>
-            </a:r>
-            <a:endParaRPr lang="en-MY" dirty="0"/>
-          </a:p>
-        </p:txBody>
-      </p:sp>
-      <p:sp>
-        <p:nvSpPr>
-          <p:cNvPr id="3" name="Subtitle 2">
-            <a:extLst>
-              <a:ext uri="{FF2B5EF4-FFF2-40B4-BE49-F238E27FC236}">
-                <a16:creationId xmlns:a16="http://schemas.microsoft.com/office/drawing/2014/main" id="{C8ACB5B7-FC3C-43ED-BB53-3FBA32F7AAAA}"/>
-              </a:ext>
-            </a:extLst>
-          </p:cNvPr>
-          <p:cNvSpPr>
-            <a:spLocks noGrp="1"/>
-          </p:cNvSpPr>
-          <p:nvPr>
-            <p:ph type="subTitle" idx="1"/>
-          </p:nvPr>
-        </p:nvSpPr>
-        <p:spPr/>
-        <p:txBody>
-          <a:bodyPr>
-            <a:normAutofit fontScale="70000" lnSpcReduction="20000"/>
-          </a:bodyPr>
-          <a:lstStyle/>
-          <a:p>
-            <a:r>
-              <a:rPr lang="en-MY" sz="4800" dirty="0"/>
-              <a:t>LSTM</a:t>
-            </a:r>
-          </a:p>
-          <a:p>
-            <a:r>
-              <a:rPr lang="en-MY" sz="3200" dirty="0"/>
-              <a:t>*Analysed and implemented by TAKEHIRO MATSUNAGA</a:t>
-            </a:r>
-          </a:p>
-        </p:txBody>
-      </p:sp>
-    </p:spTree>
-    <p:extLst>
-      <p:ext uri="{BB962C8B-B14F-4D97-AF65-F5344CB8AC3E}">
-        <p14:creationId xmlns:p14="http://schemas.microsoft.com/office/powerpoint/2010/main" val="1560932757"/>
-      </p:ext>
-    </p:extLst>
-  </p:cSld>
-  <p:clrMapOvr>
-    <a:masterClrMapping/>
-  </p:clrMapOvr>
-</p:sld>
-</file>
-
-<file path=ppt/slides/slide12.xml><?xml version="1.0" encoding="utf-8"?>
-<p:sld xmlns:a="http://schemas.openxmlformats.org/drawingml/2006/main" xmlns:r="http://schemas.openxmlformats.org/officeDocument/2006/relationships" xmlns:p="http://schemas.openxmlformats.org/presentationml/2006/main">
-  <p:cSld>
-    <p:spTree>
-      <p:nvGrpSpPr>
-        <p:cNvPr id="1" name=""/>
-        <p:cNvGrpSpPr/>
-        <p:nvPr/>
-      </p:nvGrpSpPr>
-      <p:grpSpPr>
-        <a:xfrm>
-          <a:off x="0" y="0"/>
-          <a:ext cx="0" cy="0"/>
-          <a:chOff x="0" y="0"/>
-          <a:chExt cx="0" cy="0"/>
-        </a:xfrm>
-      </p:grpSpPr>
-      <p:sp>
-        <p:nvSpPr>
-          <p:cNvPr id="2" name="Title 1">
-            <a:extLst>
-              <a:ext uri="{FF2B5EF4-FFF2-40B4-BE49-F238E27FC236}">
-                <a16:creationId xmlns:a16="http://schemas.microsoft.com/office/drawing/2014/main" id="{21FF45D8-377F-4CC2-8AE3-CA1A9D3AE3BE}"/>
-              </a:ext>
-            </a:extLst>
-          </p:cNvPr>
-          <p:cNvSpPr>
-            <a:spLocks noGrp="1"/>
-          </p:cNvSpPr>
-          <p:nvPr>
-            <p:ph type="title"/>
-          </p:nvPr>
-        </p:nvSpPr>
-        <p:spPr/>
-        <p:txBody>
-          <a:bodyPr/>
-          <a:lstStyle/>
-          <a:p>
-            <a:r>
-              <a:rPr lang="en-MY" dirty="0"/>
-              <a:t>What is LSTM?</a:t>
-            </a:r>
-          </a:p>
-        </p:txBody>
-      </p:sp>
-      <p:sp>
-        <p:nvSpPr>
-          <p:cNvPr id="3" name="Content Placeholder 2">
-            <a:extLst>
-              <a:ext uri="{FF2B5EF4-FFF2-40B4-BE49-F238E27FC236}">
-                <a16:creationId xmlns:a16="http://schemas.microsoft.com/office/drawing/2014/main" id="{C0E7BA72-9E50-499E-90A3-5D9086B36678}"/>
-              </a:ext>
-            </a:extLst>
-          </p:cNvPr>
-          <p:cNvSpPr>
-            <a:spLocks noGrp="1"/>
-          </p:cNvSpPr>
-          <p:nvPr>
-            <p:ph idx="1"/>
-          </p:nvPr>
-        </p:nvSpPr>
-        <p:spPr/>
-        <p:txBody>
-          <a:bodyPr/>
-          <a:lstStyle/>
-          <a:p>
-            <a:r>
-              <a:rPr lang="en-MY" dirty="0">
-                <a:solidFill>
-                  <a:schemeClr val="tx1"/>
-                </a:solidFill>
-              </a:rPr>
-              <a:t>A type of </a:t>
-            </a:r>
-            <a:r>
-              <a:rPr lang="en-US" dirty="0">
-                <a:solidFill>
-                  <a:schemeClr val="tx1"/>
-                </a:solidFill>
-                <a:effectLst/>
-                <a:latin typeface="Arial" panose="020B0604020202020204" pitchFamily="34" charset="0"/>
-              </a:rPr>
-              <a:t>recurrent neural network (RNN) architecture. </a:t>
-            </a:r>
-          </a:p>
-          <a:p>
-            <a:r>
-              <a:rPr lang="en-US" dirty="0">
-                <a:solidFill>
-                  <a:srgbClr val="202122"/>
-                </a:solidFill>
-                <a:effectLst/>
-                <a:latin typeface="Arial" panose="020B0604020202020204" pitchFamily="34" charset="0"/>
-              </a:rPr>
-              <a:t>A common LSTM unit is composed of:</a:t>
-            </a:r>
-          </a:p>
-          <a:p>
-            <a:pPr lvl="1"/>
-            <a:r>
-              <a:rPr lang="en-US" dirty="0">
-                <a:solidFill>
-                  <a:srgbClr val="202122"/>
-                </a:solidFill>
-                <a:effectLst/>
-                <a:latin typeface="Arial" panose="020B0604020202020204" pitchFamily="34" charset="0"/>
-              </a:rPr>
-              <a:t>a cell: remembers values over time intervals</a:t>
-            </a:r>
-          </a:p>
-          <a:p>
-            <a:pPr lvl="1"/>
-            <a:r>
-              <a:rPr lang="en-US" dirty="0">
-                <a:solidFill>
-                  <a:srgbClr val="202122"/>
-                </a:solidFill>
-                <a:latin typeface="Arial" panose="020B0604020202020204" pitchFamily="34" charset="0"/>
-              </a:rPr>
-              <a:t>3 gates to </a:t>
-            </a:r>
-            <a:r>
-              <a:rPr lang="en-US" sz="1600" dirty="0">
-                <a:solidFill>
-                  <a:srgbClr val="202122"/>
-                </a:solidFill>
-                <a:effectLst/>
-                <a:latin typeface="Arial" panose="020B0604020202020204" pitchFamily="34" charset="0"/>
-              </a:rPr>
-              <a:t>regulate the flow of information into and out of the cell.</a:t>
-            </a:r>
-          </a:p>
-          <a:p>
-            <a:pPr lvl="2"/>
-            <a:r>
-              <a:rPr lang="en-US" dirty="0">
-                <a:solidFill>
-                  <a:srgbClr val="202122"/>
-                </a:solidFill>
-                <a:effectLst/>
-                <a:latin typeface="Arial" panose="020B0604020202020204" pitchFamily="34" charset="0"/>
-              </a:rPr>
-              <a:t>forget gate: decides to forget which information.</a:t>
-            </a:r>
-          </a:p>
-          <a:p>
-            <a:pPr lvl="2"/>
-            <a:r>
-              <a:rPr lang="en-US" dirty="0">
-                <a:solidFill>
-                  <a:srgbClr val="202122"/>
-                </a:solidFill>
-                <a:effectLst/>
-                <a:latin typeface="Arial" panose="020B0604020202020204" pitchFamily="34" charset="0"/>
-              </a:rPr>
-              <a:t>input gate: decides to update which value, and update cell states.</a:t>
-            </a:r>
-          </a:p>
-          <a:p>
-            <a:pPr lvl="2"/>
-            <a:r>
-              <a:rPr lang="en-US" dirty="0">
-                <a:solidFill>
-                  <a:srgbClr val="202122"/>
-                </a:solidFill>
-                <a:effectLst/>
-                <a:latin typeface="Arial" panose="020B0604020202020204" pitchFamily="34" charset="0"/>
-              </a:rPr>
-              <a:t>output gate: output filtered cell states.</a:t>
-            </a:r>
-          </a:p>
-          <a:p>
-            <a:r>
-              <a:rPr lang="en-US" dirty="0">
-                <a:solidFill>
-                  <a:srgbClr val="202122"/>
-                </a:solidFill>
-                <a:effectLst/>
-                <a:latin typeface="Arial" panose="020B0604020202020204" pitchFamily="34" charset="0"/>
-                <a:cs typeface="Arial" panose="020B0604020202020204" pitchFamily="34" charset="0"/>
-              </a:rPr>
-              <a:t>TL;DR</a:t>
-            </a:r>
-            <a:r>
-              <a:rPr lang="en-US" dirty="0">
-                <a:solidFill>
-                  <a:srgbClr val="202122"/>
-                </a:solidFill>
-                <a:latin typeface="Arial" panose="020B0604020202020204" pitchFamily="34" charset="0"/>
-                <a:cs typeface="Arial" panose="020B0604020202020204" pitchFamily="34" charset="0"/>
-              </a:rPr>
-              <a:t>: use past context to predict the output.</a:t>
-            </a:r>
-          </a:p>
-          <a:p>
-            <a:pPr lvl="1"/>
-            <a:r>
-              <a:rPr lang="en-US" dirty="0">
-                <a:solidFill>
-                  <a:srgbClr val="202122"/>
-                </a:solidFill>
-                <a:effectLst/>
-                <a:latin typeface="Arial" panose="020B0604020202020204" pitchFamily="34" charset="0"/>
-                <a:cs typeface="Arial" panose="020B0604020202020204" pitchFamily="34" charset="0"/>
-              </a:rPr>
-              <a:t>Example: trying to predict next word based on given sentence </a:t>
-            </a:r>
-          </a:p>
-          <a:p>
-            <a:pPr lvl="1"/>
-            <a:r>
-              <a:rPr lang="en-US" dirty="0">
-                <a:solidFill>
-                  <a:srgbClr val="202122"/>
-                </a:solidFill>
-                <a:effectLst/>
-                <a:latin typeface="Arial" panose="020B0604020202020204" pitchFamily="34" charset="0"/>
-                <a:cs typeface="Arial" panose="020B0604020202020204" pitchFamily="34" charset="0"/>
-              </a:rPr>
-              <a:t>“he went to pool to …”</a:t>
-            </a:r>
-          </a:p>
-          <a:p>
-            <a:pPr lvl="1"/>
-            <a:endParaRPr lang="en-US" dirty="0">
-              <a:solidFill>
-                <a:srgbClr val="202122"/>
-              </a:solidFill>
-              <a:effectLst/>
-              <a:latin typeface="Arial" panose="020B0604020202020204" pitchFamily="34" charset="0"/>
-              <a:cs typeface="Arial" panose="020B0604020202020204" pitchFamily="34" charset="0"/>
-            </a:endParaRPr>
-          </a:p>
-        </p:txBody>
-      </p:sp>
-    </p:spTree>
-    <p:extLst>
-      <p:ext uri="{BB962C8B-B14F-4D97-AF65-F5344CB8AC3E}">
-        <p14:creationId xmlns:p14="http://schemas.microsoft.com/office/powerpoint/2010/main" val="1964593517"/>
-      </p:ext>
-    </p:extLst>
-  </p:cSld>
-  <p:clrMapOvr>
-    <a:masterClrMapping/>
-  </p:clrMapOvr>
-</p:sld>
-</file>
-
-<file path=ppt/slides/slide13.xml><?xml version="1.0" encoding="utf-8"?>
-<p:sld xmlns:a="http://schemas.openxmlformats.org/drawingml/2006/main" xmlns:r="http://schemas.openxmlformats.org/officeDocument/2006/relationships" xmlns:p="http://schemas.openxmlformats.org/presentationml/2006/main">
-  <p:cSld>
-    <p:spTree>
-      <p:nvGrpSpPr>
-        <p:cNvPr id="1" name=""/>
-        <p:cNvGrpSpPr/>
-        <p:nvPr/>
-      </p:nvGrpSpPr>
-      <p:grpSpPr>
-        <a:xfrm>
-          <a:off x="0" y="0"/>
-          <a:ext cx="0" cy="0"/>
-          <a:chOff x="0" y="0"/>
-          <a:chExt cx="0" cy="0"/>
-        </a:xfrm>
-      </p:grpSpPr>
-      <p:sp>
-        <p:nvSpPr>
-          <p:cNvPr id="2" name="Title 1">
-            <a:extLst>
-              <a:ext uri="{FF2B5EF4-FFF2-40B4-BE49-F238E27FC236}">
                 <a16:creationId xmlns:a16="http://schemas.microsoft.com/office/drawing/2014/main" id="{32A1A432-2918-41F6-B030-F5FBC38A324E}"/>
               </a:ext>
             </a:extLst>
@@ -6570,7 +6326,7 @@
 </p:sld>
 </file>
 
-<file path=ppt/slides/slide14.xml><?xml version="1.0" encoding="utf-8"?>
+<file path=ppt/slides/slide12.xml><?xml version="1.0" encoding="utf-8"?>
 <p:sld xmlns:a="http://schemas.openxmlformats.org/drawingml/2006/main" xmlns:r="http://schemas.openxmlformats.org/officeDocument/2006/relationships" xmlns:p="http://schemas.openxmlformats.org/presentationml/2006/main">
   <p:cSld>
     <p:spTree>
@@ -6702,6 +6458,206 @@
 </p:sld>
 </file>
 
+<file path=ppt/slides/slide13.xml><?xml version="1.0" encoding="utf-8"?>
+<p:sld xmlns:a="http://schemas.openxmlformats.org/drawingml/2006/main" xmlns:r="http://schemas.openxmlformats.org/officeDocument/2006/relationships" xmlns:p="http://schemas.openxmlformats.org/presentationml/2006/main">
+  <p:cSld>
+    <p:spTree>
+      <p:nvGrpSpPr>
+        <p:cNvPr id="1" name=""/>
+        <p:cNvGrpSpPr/>
+        <p:nvPr/>
+      </p:nvGrpSpPr>
+      <p:grpSpPr>
+        <a:xfrm>
+          <a:off x="0" y="0"/>
+          <a:ext cx="0" cy="0"/>
+          <a:chOff x="0" y="0"/>
+          <a:chExt cx="0" cy="0"/>
+        </a:xfrm>
+      </p:grpSpPr>
+      <p:sp>
+        <p:nvSpPr>
+          <p:cNvPr id="2" name="Title 1">
+            <a:extLst>
+              <a:ext uri="{FF2B5EF4-FFF2-40B4-BE49-F238E27FC236}">
+                <a16:creationId xmlns:a16="http://schemas.microsoft.com/office/drawing/2014/main" id="{9E8DE958-F766-43C9-A90E-7DB421810679}"/>
+              </a:ext>
+            </a:extLst>
+          </p:cNvPr>
+          <p:cNvSpPr>
+            <a:spLocks noGrp="1"/>
+          </p:cNvSpPr>
+          <p:nvPr>
+            <p:ph type="title"/>
+          </p:nvPr>
+        </p:nvSpPr>
+        <p:spPr/>
+        <p:txBody>
+          <a:bodyPr/>
+          <a:lstStyle/>
+          <a:p>
+            <a:r>
+              <a:rPr lang="en-US" altLang="zh-CN" dirty="0"/>
+              <a:t>Performance</a:t>
+            </a:r>
+            <a:endParaRPr lang="en-MY" dirty="0"/>
+          </a:p>
+        </p:txBody>
+      </p:sp>
+      <p:sp>
+        <p:nvSpPr>
+          <p:cNvPr id="3" name="Content Placeholder 2">
+            <a:extLst>
+              <a:ext uri="{FF2B5EF4-FFF2-40B4-BE49-F238E27FC236}">
+                <a16:creationId xmlns:a16="http://schemas.microsoft.com/office/drawing/2014/main" id="{C98048D2-4401-4A54-826E-53EBE8361D2E}"/>
+              </a:ext>
+            </a:extLst>
+          </p:cNvPr>
+          <p:cNvSpPr>
+            <a:spLocks noGrp="1"/>
+          </p:cNvSpPr>
+          <p:nvPr>
+            <p:ph idx="1"/>
+          </p:nvPr>
+        </p:nvSpPr>
+        <p:spPr/>
+        <p:txBody>
+          <a:bodyPr/>
+          <a:lstStyle/>
+          <a:p>
+            <a:r>
+              <a:rPr lang="en-MY" dirty="0"/>
+              <a:t>First 200 training shards MAP@10: 0.935</a:t>
+            </a:r>
+          </a:p>
+          <a:p>
+            <a:r>
+              <a:rPr lang="en-MY" dirty="0"/>
+              <a:t>First 100 validation shards MAP@10: </a:t>
+            </a:r>
+            <a:r>
+              <a:rPr lang="en-US" altLang="zh-CN" dirty="0"/>
+              <a:t>0.946</a:t>
+            </a:r>
+            <a:endParaRPr lang="en-MY" dirty="0"/>
+          </a:p>
+          <a:p>
+            <a:r>
+              <a:rPr lang="en-MY" dirty="0"/>
+              <a:t>Whole datasets MAP@10: 0.759 </a:t>
+            </a:r>
+          </a:p>
+        </p:txBody>
+      </p:sp>
+    </p:spTree>
+    <p:extLst>
+      <p:ext uri="{BB962C8B-B14F-4D97-AF65-F5344CB8AC3E}">
+        <p14:creationId xmlns:p14="http://schemas.microsoft.com/office/powerpoint/2010/main" val="2488255710"/>
+      </p:ext>
+    </p:extLst>
+  </p:cSld>
+  <p:clrMapOvr>
+    <a:masterClrMapping/>
+  </p:clrMapOvr>
+</p:sld>
+</file>
+
+<file path=ppt/slides/slide14.xml><?xml version="1.0" encoding="utf-8"?>
+<p:sld xmlns:a="http://schemas.openxmlformats.org/drawingml/2006/main" xmlns:r="http://schemas.openxmlformats.org/officeDocument/2006/relationships" xmlns:p="http://schemas.openxmlformats.org/presentationml/2006/main">
+  <p:cSld>
+    <p:spTree>
+      <p:nvGrpSpPr>
+        <p:cNvPr id="1" name=""/>
+        <p:cNvGrpSpPr/>
+        <p:nvPr/>
+      </p:nvGrpSpPr>
+      <p:grpSpPr>
+        <a:xfrm>
+          <a:off x="0" y="0"/>
+          <a:ext cx="0" cy="0"/>
+          <a:chOff x="0" y="0"/>
+          <a:chExt cx="0" cy="0"/>
+        </a:xfrm>
+      </p:grpSpPr>
+      <p:sp>
+        <p:nvSpPr>
+          <p:cNvPr id="2" name="Title 1">
+            <a:extLst>
+              <a:ext uri="{FF2B5EF4-FFF2-40B4-BE49-F238E27FC236}">
+                <a16:creationId xmlns:a16="http://schemas.microsoft.com/office/drawing/2014/main" id="{13EBCDCC-AC0E-4224-98FD-2780A74AE843}"/>
+              </a:ext>
+            </a:extLst>
+          </p:cNvPr>
+          <p:cNvSpPr>
+            <a:spLocks noGrp="1"/>
+          </p:cNvSpPr>
+          <p:nvPr>
+            <p:ph type="ctrTitle"/>
+          </p:nvPr>
+        </p:nvSpPr>
+        <p:spPr/>
+        <p:txBody>
+          <a:bodyPr/>
+          <a:lstStyle/>
+          <a:p>
+            <a:r>
+              <a:rPr lang="en-MY" altLang="zh-CN" dirty="0"/>
+              <a:t>Model Overview</a:t>
+            </a:r>
+            <a:endParaRPr lang="en-MY" dirty="0"/>
+          </a:p>
+        </p:txBody>
+      </p:sp>
+      <p:sp>
+        <p:nvSpPr>
+          <p:cNvPr id="3" name="Subtitle 2">
+            <a:extLst>
+              <a:ext uri="{FF2B5EF4-FFF2-40B4-BE49-F238E27FC236}">
+                <a16:creationId xmlns:a16="http://schemas.microsoft.com/office/drawing/2014/main" id="{C8ACB5B7-FC3C-43ED-BB53-3FBA32F7AAAA}"/>
+              </a:ext>
+            </a:extLst>
+          </p:cNvPr>
+          <p:cNvSpPr>
+            <a:spLocks noGrp="1"/>
+          </p:cNvSpPr>
+          <p:nvPr>
+            <p:ph type="subTitle" idx="1"/>
+          </p:nvPr>
+        </p:nvSpPr>
+        <p:spPr/>
+        <p:txBody>
+          <a:bodyPr>
+            <a:normAutofit fontScale="70000" lnSpcReduction="20000"/>
+          </a:bodyPr>
+          <a:lstStyle/>
+          <a:p>
+            <a:r>
+              <a:rPr lang="en-MY" sz="4800" dirty="0" err="1"/>
+              <a:t>biLSTM</a:t>
+            </a:r>
+            <a:endParaRPr lang="en-MY" sz="4800" dirty="0"/>
+          </a:p>
+          <a:p>
+            <a:r>
+              <a:rPr lang="en-MY" sz="3200" dirty="0"/>
+              <a:t>*Analysed and implemented by TAKEHIRO MATSUNAGA</a:t>
+            </a:r>
+          </a:p>
+        </p:txBody>
+      </p:sp>
+    </p:spTree>
+    <p:extLst>
+      <p:ext uri="{BB962C8B-B14F-4D97-AF65-F5344CB8AC3E}">
+        <p14:creationId xmlns:p14="http://schemas.microsoft.com/office/powerpoint/2010/main" val="2616941251"/>
+      </p:ext>
+    </p:extLst>
+  </p:cSld>
+  <p:clrMapOvr>
+    <a:masterClrMapping/>
+  </p:clrMapOvr>
+</p:sld>
+</file>
+
 <file path=ppt/slides/slide15.xml><?xml version="1.0" encoding="utf-8"?>
 <p:sld xmlns:a="http://schemas.openxmlformats.org/drawingml/2006/main" xmlns:r="http://schemas.openxmlformats.org/officeDocument/2006/relationships" xmlns:p="http://schemas.openxmlformats.org/presentationml/2006/main">
   <p:cSld>
@@ -6724,206 +6680,6 @@
           <p:cNvPr id="2" name="Title 1">
             <a:extLst>
               <a:ext uri="{FF2B5EF4-FFF2-40B4-BE49-F238E27FC236}">
-                <a16:creationId xmlns:a16="http://schemas.microsoft.com/office/drawing/2014/main" id="{9E8DE958-F766-43C9-A90E-7DB421810679}"/>
-              </a:ext>
-            </a:extLst>
-          </p:cNvPr>
-          <p:cNvSpPr>
-            <a:spLocks noGrp="1"/>
-          </p:cNvSpPr>
-          <p:nvPr>
-            <p:ph type="title"/>
-          </p:nvPr>
-        </p:nvSpPr>
-        <p:spPr/>
-        <p:txBody>
-          <a:bodyPr/>
-          <a:lstStyle/>
-          <a:p>
-            <a:r>
-              <a:rPr lang="en-US" altLang="zh-CN" dirty="0"/>
-              <a:t>Performance</a:t>
-            </a:r>
-            <a:endParaRPr lang="en-MY" dirty="0"/>
-          </a:p>
-        </p:txBody>
-      </p:sp>
-      <p:sp>
-        <p:nvSpPr>
-          <p:cNvPr id="3" name="Content Placeholder 2">
-            <a:extLst>
-              <a:ext uri="{FF2B5EF4-FFF2-40B4-BE49-F238E27FC236}">
-                <a16:creationId xmlns:a16="http://schemas.microsoft.com/office/drawing/2014/main" id="{C98048D2-4401-4A54-826E-53EBE8361D2E}"/>
-              </a:ext>
-            </a:extLst>
-          </p:cNvPr>
-          <p:cNvSpPr>
-            <a:spLocks noGrp="1"/>
-          </p:cNvSpPr>
-          <p:nvPr>
-            <p:ph idx="1"/>
-          </p:nvPr>
-        </p:nvSpPr>
-        <p:spPr/>
-        <p:txBody>
-          <a:bodyPr/>
-          <a:lstStyle/>
-          <a:p>
-            <a:r>
-              <a:rPr lang="en-MY" dirty="0"/>
-              <a:t>First 200 training shards MAP@10: 0.935</a:t>
-            </a:r>
-          </a:p>
-          <a:p>
-            <a:r>
-              <a:rPr lang="en-MY" dirty="0"/>
-              <a:t>First 100 validation shards MAP@10: </a:t>
-            </a:r>
-            <a:r>
-              <a:rPr lang="en-US" altLang="zh-CN" dirty="0"/>
-              <a:t>0.946</a:t>
-            </a:r>
-            <a:endParaRPr lang="en-MY" dirty="0"/>
-          </a:p>
-          <a:p>
-            <a:r>
-              <a:rPr lang="en-MY" dirty="0"/>
-              <a:t>Whole datasets MAP@10: 0.759 </a:t>
-            </a:r>
-          </a:p>
-        </p:txBody>
-      </p:sp>
-    </p:spTree>
-    <p:extLst>
-      <p:ext uri="{BB962C8B-B14F-4D97-AF65-F5344CB8AC3E}">
-        <p14:creationId xmlns:p14="http://schemas.microsoft.com/office/powerpoint/2010/main" val="2488255710"/>
-      </p:ext>
-    </p:extLst>
-  </p:cSld>
-  <p:clrMapOvr>
-    <a:masterClrMapping/>
-  </p:clrMapOvr>
-</p:sld>
-</file>
-
-<file path=ppt/slides/slide16.xml><?xml version="1.0" encoding="utf-8"?>
-<p:sld xmlns:a="http://schemas.openxmlformats.org/drawingml/2006/main" xmlns:r="http://schemas.openxmlformats.org/officeDocument/2006/relationships" xmlns:p="http://schemas.openxmlformats.org/presentationml/2006/main">
-  <p:cSld>
-    <p:spTree>
-      <p:nvGrpSpPr>
-        <p:cNvPr id="1" name=""/>
-        <p:cNvGrpSpPr/>
-        <p:nvPr/>
-      </p:nvGrpSpPr>
-      <p:grpSpPr>
-        <a:xfrm>
-          <a:off x="0" y="0"/>
-          <a:ext cx="0" cy="0"/>
-          <a:chOff x="0" y="0"/>
-          <a:chExt cx="0" cy="0"/>
-        </a:xfrm>
-      </p:grpSpPr>
-      <p:sp>
-        <p:nvSpPr>
-          <p:cNvPr id="2" name="Title 1">
-            <a:extLst>
-              <a:ext uri="{FF2B5EF4-FFF2-40B4-BE49-F238E27FC236}">
-                <a16:creationId xmlns:a16="http://schemas.microsoft.com/office/drawing/2014/main" id="{13EBCDCC-AC0E-4224-98FD-2780A74AE843}"/>
-              </a:ext>
-            </a:extLst>
-          </p:cNvPr>
-          <p:cNvSpPr>
-            <a:spLocks noGrp="1"/>
-          </p:cNvSpPr>
-          <p:nvPr>
-            <p:ph type="ctrTitle"/>
-          </p:nvPr>
-        </p:nvSpPr>
-        <p:spPr/>
-        <p:txBody>
-          <a:bodyPr/>
-          <a:lstStyle/>
-          <a:p>
-            <a:r>
-              <a:rPr lang="en-MY" altLang="zh-CN" dirty="0"/>
-              <a:t>Model Overview</a:t>
-            </a:r>
-            <a:endParaRPr lang="en-MY" dirty="0"/>
-          </a:p>
-        </p:txBody>
-      </p:sp>
-      <p:sp>
-        <p:nvSpPr>
-          <p:cNvPr id="3" name="Subtitle 2">
-            <a:extLst>
-              <a:ext uri="{FF2B5EF4-FFF2-40B4-BE49-F238E27FC236}">
-                <a16:creationId xmlns:a16="http://schemas.microsoft.com/office/drawing/2014/main" id="{C8ACB5B7-FC3C-43ED-BB53-3FBA32F7AAAA}"/>
-              </a:ext>
-            </a:extLst>
-          </p:cNvPr>
-          <p:cNvSpPr>
-            <a:spLocks noGrp="1"/>
-          </p:cNvSpPr>
-          <p:nvPr>
-            <p:ph type="subTitle" idx="1"/>
-          </p:nvPr>
-        </p:nvSpPr>
-        <p:spPr/>
-        <p:txBody>
-          <a:bodyPr>
-            <a:normAutofit fontScale="70000" lnSpcReduction="20000"/>
-          </a:bodyPr>
-          <a:lstStyle/>
-          <a:p>
-            <a:r>
-              <a:rPr lang="en-MY" sz="4800" dirty="0" err="1"/>
-              <a:t>biLSTM</a:t>
-            </a:r>
-            <a:endParaRPr lang="en-MY" sz="4800" dirty="0"/>
-          </a:p>
-          <a:p>
-            <a:r>
-              <a:rPr lang="en-MY" sz="3200" dirty="0"/>
-              <a:t>*Analysed and implemented by TAKEHIRO MATSUNAGA</a:t>
-            </a:r>
-          </a:p>
-        </p:txBody>
-      </p:sp>
-    </p:spTree>
-    <p:extLst>
-      <p:ext uri="{BB962C8B-B14F-4D97-AF65-F5344CB8AC3E}">
-        <p14:creationId xmlns:p14="http://schemas.microsoft.com/office/powerpoint/2010/main" val="2616941251"/>
-      </p:ext>
-    </p:extLst>
-  </p:cSld>
-  <p:clrMapOvr>
-    <a:masterClrMapping/>
-  </p:clrMapOvr>
-</p:sld>
-</file>
-
-<file path=ppt/slides/slide17.xml><?xml version="1.0" encoding="utf-8"?>
-<p:sld xmlns:a="http://schemas.openxmlformats.org/drawingml/2006/main" xmlns:r="http://schemas.openxmlformats.org/officeDocument/2006/relationships" xmlns:p="http://schemas.openxmlformats.org/presentationml/2006/main">
-  <p:cSld>
-    <p:spTree>
-      <p:nvGrpSpPr>
-        <p:cNvPr id="1" name=""/>
-        <p:cNvGrpSpPr/>
-        <p:nvPr/>
-      </p:nvGrpSpPr>
-      <p:grpSpPr>
-        <a:xfrm>
-          <a:off x="0" y="0"/>
-          <a:ext cx="0" cy="0"/>
-          <a:chOff x="0" y="0"/>
-          <a:chExt cx="0" cy="0"/>
-        </a:xfrm>
-      </p:grpSpPr>
-      <p:sp>
-        <p:nvSpPr>
-          <p:cNvPr id="2" name="Title 1">
-            <a:extLst>
-              <a:ext uri="{FF2B5EF4-FFF2-40B4-BE49-F238E27FC236}">
                 <a16:creationId xmlns:a16="http://schemas.microsoft.com/office/drawing/2014/main" id="{DDAE0AB9-3B4D-441A-8FC9-AD5B29A3DD67}"/>
               </a:ext>
             </a:extLst>
@@ -7084,7 +6840,7 @@
 </p:sld>
 </file>
 
-<file path=ppt/slides/slide18.xml><?xml version="1.0" encoding="utf-8"?>
+<file path=ppt/slides/slide16.xml><?xml version="1.0" encoding="utf-8"?>
 <p:sld xmlns:a="http://schemas.openxmlformats.org/drawingml/2006/main" xmlns:r="http://schemas.openxmlformats.org/officeDocument/2006/relationships" xmlns:p="http://schemas.openxmlformats.org/presentationml/2006/main">
   <p:cSld>
     <p:spTree>
@@ -7217,6 +6973,203 @@
 </p:sld>
 </file>
 
+<file path=ppt/slides/slide17.xml><?xml version="1.0" encoding="utf-8"?>
+<p:sld xmlns:a="http://schemas.openxmlformats.org/drawingml/2006/main" xmlns:r="http://schemas.openxmlformats.org/officeDocument/2006/relationships" xmlns:p="http://schemas.openxmlformats.org/presentationml/2006/main">
+  <p:cSld>
+    <p:spTree>
+      <p:nvGrpSpPr>
+        <p:cNvPr id="1" name=""/>
+        <p:cNvGrpSpPr/>
+        <p:nvPr/>
+      </p:nvGrpSpPr>
+      <p:grpSpPr>
+        <a:xfrm>
+          <a:off x="0" y="0"/>
+          <a:ext cx="0" cy="0"/>
+          <a:chOff x="0" y="0"/>
+          <a:chExt cx="0" cy="0"/>
+        </a:xfrm>
+      </p:grpSpPr>
+      <p:sp>
+        <p:nvSpPr>
+          <p:cNvPr id="2" name="Title 1">
+            <a:extLst>
+              <a:ext uri="{FF2B5EF4-FFF2-40B4-BE49-F238E27FC236}">
+                <a16:creationId xmlns:a16="http://schemas.microsoft.com/office/drawing/2014/main" id="{9E8DE958-F766-43C9-A90E-7DB421810679}"/>
+              </a:ext>
+            </a:extLst>
+          </p:cNvPr>
+          <p:cNvSpPr>
+            <a:spLocks noGrp="1"/>
+          </p:cNvSpPr>
+          <p:nvPr>
+            <p:ph type="title"/>
+          </p:nvPr>
+        </p:nvSpPr>
+        <p:spPr/>
+        <p:txBody>
+          <a:bodyPr/>
+          <a:lstStyle/>
+          <a:p>
+            <a:r>
+              <a:rPr lang="en-US" altLang="zh-CN" dirty="0"/>
+              <a:t>Performance</a:t>
+            </a:r>
+            <a:endParaRPr lang="en-MY" dirty="0"/>
+          </a:p>
+        </p:txBody>
+      </p:sp>
+      <p:sp>
+        <p:nvSpPr>
+          <p:cNvPr id="3" name="Content Placeholder 2">
+            <a:extLst>
+              <a:ext uri="{FF2B5EF4-FFF2-40B4-BE49-F238E27FC236}">
+                <a16:creationId xmlns:a16="http://schemas.microsoft.com/office/drawing/2014/main" id="{C98048D2-4401-4A54-826E-53EBE8361D2E}"/>
+              </a:ext>
+            </a:extLst>
+          </p:cNvPr>
+          <p:cNvSpPr>
+            <a:spLocks noGrp="1"/>
+          </p:cNvSpPr>
+          <p:nvPr>
+            <p:ph idx="1"/>
+          </p:nvPr>
+        </p:nvSpPr>
+        <p:spPr/>
+        <p:txBody>
+          <a:bodyPr/>
+          <a:lstStyle/>
+          <a:p>
+            <a:r>
+              <a:rPr lang="en-MY" dirty="0"/>
+              <a:t>First 200 training shards MAP@10: 0.949</a:t>
+            </a:r>
+          </a:p>
+          <a:p>
+            <a:r>
+              <a:rPr lang="en-MY" dirty="0"/>
+              <a:t>First 100 validation shards MAP@10: 0.96</a:t>
+            </a:r>
+            <a:r>
+              <a:rPr lang="en-US" altLang="zh-CN" dirty="0"/>
+              <a:t>1</a:t>
+            </a:r>
+            <a:endParaRPr lang="en-MY" dirty="0"/>
+          </a:p>
+          <a:p>
+            <a:r>
+              <a:rPr lang="en-MY" dirty="0"/>
+              <a:t>Whole datasets MAP@10: </a:t>
+            </a:r>
+            <a:r>
+              <a:rPr lang="en-US" altLang="zh-CN" dirty="0"/>
+              <a:t>0.764</a:t>
+            </a:r>
+            <a:endParaRPr lang="en-MY" dirty="0"/>
+          </a:p>
+        </p:txBody>
+      </p:sp>
+    </p:spTree>
+    <p:extLst>
+      <p:ext uri="{BB962C8B-B14F-4D97-AF65-F5344CB8AC3E}">
+        <p14:creationId xmlns:p14="http://schemas.microsoft.com/office/powerpoint/2010/main" val="2098917212"/>
+      </p:ext>
+    </p:extLst>
+  </p:cSld>
+  <p:clrMapOvr>
+    <a:masterClrMapping/>
+  </p:clrMapOvr>
+</p:sld>
+</file>
+
+<file path=ppt/slides/slide18.xml><?xml version="1.0" encoding="utf-8"?>
+<p:sld xmlns:a="http://schemas.openxmlformats.org/drawingml/2006/main" xmlns:r="http://schemas.openxmlformats.org/officeDocument/2006/relationships" xmlns:p="http://schemas.openxmlformats.org/presentationml/2006/main">
+  <p:cSld>
+    <p:spTree>
+      <p:nvGrpSpPr>
+        <p:cNvPr id="1" name=""/>
+        <p:cNvGrpSpPr/>
+        <p:nvPr/>
+      </p:nvGrpSpPr>
+      <p:grpSpPr>
+        <a:xfrm>
+          <a:off x="0" y="0"/>
+          <a:ext cx="0" cy="0"/>
+          <a:chOff x="0" y="0"/>
+          <a:chExt cx="0" cy="0"/>
+        </a:xfrm>
+      </p:grpSpPr>
+      <p:sp>
+        <p:nvSpPr>
+          <p:cNvPr id="2" name="Title 1">
+            <a:extLst>
+              <a:ext uri="{FF2B5EF4-FFF2-40B4-BE49-F238E27FC236}">
+                <a16:creationId xmlns:a16="http://schemas.microsoft.com/office/drawing/2014/main" id="{13EBCDCC-AC0E-4224-98FD-2780A74AE843}"/>
+              </a:ext>
+            </a:extLst>
+          </p:cNvPr>
+          <p:cNvSpPr>
+            <a:spLocks noGrp="1"/>
+          </p:cNvSpPr>
+          <p:nvPr>
+            <p:ph type="ctrTitle"/>
+          </p:nvPr>
+        </p:nvSpPr>
+        <p:spPr/>
+        <p:txBody>
+          <a:bodyPr/>
+          <a:lstStyle/>
+          <a:p>
+            <a:r>
+              <a:rPr lang="en-MY" sz="4800" dirty="0"/>
+              <a:t>Experiments and Analysis</a:t>
+            </a:r>
+          </a:p>
+        </p:txBody>
+      </p:sp>
+      <p:sp>
+        <p:nvSpPr>
+          <p:cNvPr id="3" name="Subtitle 2">
+            <a:extLst>
+              <a:ext uri="{FF2B5EF4-FFF2-40B4-BE49-F238E27FC236}">
+                <a16:creationId xmlns:a16="http://schemas.microsoft.com/office/drawing/2014/main" id="{C8ACB5B7-FC3C-43ED-BB53-3FBA32F7AAAA}"/>
+              </a:ext>
+            </a:extLst>
+          </p:cNvPr>
+          <p:cNvSpPr>
+            <a:spLocks noGrp="1"/>
+          </p:cNvSpPr>
+          <p:nvPr>
+            <p:ph type="subTitle" idx="1"/>
+          </p:nvPr>
+        </p:nvSpPr>
+        <p:spPr/>
+        <p:txBody>
+          <a:bodyPr>
+            <a:normAutofit/>
+          </a:bodyPr>
+          <a:lstStyle/>
+          <a:p>
+            <a:r>
+              <a:rPr lang="en-MY" sz="3200" dirty="0"/>
+              <a:t>Tested by TAKEHIRO MATSUNAGA and Analysed by KAR CHUN TEONG</a:t>
+            </a:r>
+          </a:p>
+        </p:txBody>
+      </p:sp>
+    </p:spTree>
+    <p:extLst>
+      <p:ext uri="{BB962C8B-B14F-4D97-AF65-F5344CB8AC3E}">
+        <p14:creationId xmlns:p14="http://schemas.microsoft.com/office/powerpoint/2010/main" val="1335052827"/>
+      </p:ext>
+    </p:extLst>
+  </p:cSld>
+  <p:clrMapOvr>
+    <a:masterClrMapping/>
+  </p:clrMapOvr>
+</p:sld>
+</file>
+
 <file path=ppt/slides/slide19.xml><?xml version="1.0" encoding="utf-8"?>
 <p:sld xmlns:a="http://schemas.openxmlformats.org/drawingml/2006/main" xmlns:r="http://schemas.openxmlformats.org/officeDocument/2006/relationships" xmlns:p="http://schemas.openxmlformats.org/presentationml/2006/main">
   <p:cSld>
@@ -7239,7 +7192,7 @@
           <p:cNvPr id="2" name="Title 1">
             <a:extLst>
               <a:ext uri="{FF2B5EF4-FFF2-40B4-BE49-F238E27FC236}">
-                <a16:creationId xmlns:a16="http://schemas.microsoft.com/office/drawing/2014/main" id="{9E8DE958-F766-43C9-A90E-7DB421810679}"/>
+                <a16:creationId xmlns:a16="http://schemas.microsoft.com/office/drawing/2014/main" id="{236C9839-F5A9-4FCE-97E4-54920CAA162D}"/>
               </a:ext>
             </a:extLst>
           </p:cNvPr>
@@ -7256,10 +7209,9 @@
           <a:lstStyle/>
           <a:p>
             <a:r>
-              <a:rPr lang="en-US" altLang="zh-CN" dirty="0"/>
-              <a:t>Performance</a:t>
-            </a:r>
-            <a:endParaRPr lang="en-MY" dirty="0"/>
+              <a:rPr lang="en-MY" dirty="0"/>
+              <a:t>Training</a:t>
+            </a:r>
           </a:p>
         </p:txBody>
       </p:sp>
@@ -7268,7 +7220,7 @@
           <p:cNvPr id="3" name="Content Placeholder 2">
             <a:extLst>
               <a:ext uri="{FF2B5EF4-FFF2-40B4-BE49-F238E27FC236}">
-                <a16:creationId xmlns:a16="http://schemas.microsoft.com/office/drawing/2014/main" id="{C98048D2-4401-4A54-826E-53EBE8361D2E}"/>
+                <a16:creationId xmlns:a16="http://schemas.microsoft.com/office/drawing/2014/main" id="{B889FCD1-A234-4AD8-9B54-6FE8E1ABDAFE}"/>
               </a:ext>
             </a:extLst>
           </p:cNvPr>
@@ -7286,29 +7238,22 @@
           <a:p>
             <a:r>
               <a:rPr lang="en-MY" dirty="0"/>
-              <a:t>First 200 training shards MAP@10: 0.949</a:t>
+              <a:t>Cloud platforms: expensive (GCP offers free trial but needs credit card)</a:t>
             </a:r>
           </a:p>
           <a:p>
             <a:r>
               <a:rPr lang="en-MY" dirty="0"/>
-              <a:t>First 100 validation shards MAP@10: 0.96</a:t>
-            </a:r>
-            <a:r>
-              <a:rPr lang="en-US" altLang="zh-CN" dirty="0"/>
-              <a:t>1</a:t>
-            </a:r>
-            <a:endParaRPr lang="en-MY" dirty="0"/>
-          </a:p>
-          <a:p>
-            <a:r>
-              <a:rPr lang="en-MY" dirty="0"/>
-              <a:t>Whole datasets MAP@10: </a:t>
-            </a:r>
-            <a:r>
-              <a:rPr lang="en-US" altLang="zh-CN" dirty="0"/>
-              <a:t>0.764</a:t>
-            </a:r>
+              <a:t>At the end, use our own computers: can only train with small subsets (</a:t>
+            </a:r>
+            <a:r>
+              <a:rPr lang="en-US" dirty="0">
+                <a:effectLst/>
+              </a:rPr>
+              <a:t>first 200 training shards and the first 100 validation shards.)</a:t>
+            </a:r>
+          </a:p>
+          <a:p>
             <a:endParaRPr lang="en-MY" dirty="0"/>
           </a:p>
         </p:txBody>
@@ -7316,7 +7261,7 @@
     </p:spTree>
     <p:extLst>
       <p:ext uri="{BB962C8B-B14F-4D97-AF65-F5344CB8AC3E}">
-        <p14:creationId xmlns:p14="http://schemas.microsoft.com/office/powerpoint/2010/main" val="2098917212"/>
+        <p14:creationId xmlns:p14="http://schemas.microsoft.com/office/powerpoint/2010/main" val="390895238"/>
       </p:ext>
     </p:extLst>
   </p:cSld>
@@ -7485,195 +7430,6 @@
 </file>
 
 <file path=ppt/slides/slide20.xml><?xml version="1.0" encoding="utf-8"?>
-<p:sld xmlns:a="http://schemas.openxmlformats.org/drawingml/2006/main" xmlns:r="http://schemas.openxmlformats.org/officeDocument/2006/relationships" xmlns:p="http://schemas.openxmlformats.org/presentationml/2006/main">
-  <p:cSld>
-    <p:spTree>
-      <p:nvGrpSpPr>
-        <p:cNvPr id="1" name=""/>
-        <p:cNvGrpSpPr/>
-        <p:nvPr/>
-      </p:nvGrpSpPr>
-      <p:grpSpPr>
-        <a:xfrm>
-          <a:off x="0" y="0"/>
-          <a:ext cx="0" cy="0"/>
-          <a:chOff x="0" y="0"/>
-          <a:chExt cx="0" cy="0"/>
-        </a:xfrm>
-      </p:grpSpPr>
-      <p:sp>
-        <p:nvSpPr>
-          <p:cNvPr id="2" name="Title 1">
-            <a:extLst>
-              <a:ext uri="{FF2B5EF4-FFF2-40B4-BE49-F238E27FC236}">
-                <a16:creationId xmlns:a16="http://schemas.microsoft.com/office/drawing/2014/main" id="{13EBCDCC-AC0E-4224-98FD-2780A74AE843}"/>
-              </a:ext>
-            </a:extLst>
-          </p:cNvPr>
-          <p:cNvSpPr>
-            <a:spLocks noGrp="1"/>
-          </p:cNvSpPr>
-          <p:nvPr>
-            <p:ph type="ctrTitle"/>
-          </p:nvPr>
-        </p:nvSpPr>
-        <p:spPr/>
-        <p:txBody>
-          <a:bodyPr/>
-          <a:lstStyle/>
-          <a:p>
-            <a:r>
-              <a:rPr lang="en-MY" sz="4800" dirty="0"/>
-              <a:t>Experiments and Analysis</a:t>
-            </a:r>
-          </a:p>
-        </p:txBody>
-      </p:sp>
-      <p:sp>
-        <p:nvSpPr>
-          <p:cNvPr id="3" name="Subtitle 2">
-            <a:extLst>
-              <a:ext uri="{FF2B5EF4-FFF2-40B4-BE49-F238E27FC236}">
-                <a16:creationId xmlns:a16="http://schemas.microsoft.com/office/drawing/2014/main" id="{C8ACB5B7-FC3C-43ED-BB53-3FBA32F7AAAA}"/>
-              </a:ext>
-            </a:extLst>
-          </p:cNvPr>
-          <p:cNvSpPr>
-            <a:spLocks noGrp="1"/>
-          </p:cNvSpPr>
-          <p:nvPr>
-            <p:ph type="subTitle" idx="1"/>
-          </p:nvPr>
-        </p:nvSpPr>
-        <p:spPr/>
-        <p:txBody>
-          <a:bodyPr>
-            <a:normAutofit/>
-          </a:bodyPr>
-          <a:lstStyle/>
-          <a:p>
-            <a:r>
-              <a:rPr lang="en-MY" sz="3200" dirty="0"/>
-              <a:t>Tested by TAKEHIRO MATSUNAGA and Analysed by KAR CHUN TEONG</a:t>
-            </a:r>
-          </a:p>
-        </p:txBody>
-      </p:sp>
-    </p:spTree>
-    <p:extLst>
-      <p:ext uri="{BB962C8B-B14F-4D97-AF65-F5344CB8AC3E}">
-        <p14:creationId xmlns:p14="http://schemas.microsoft.com/office/powerpoint/2010/main" val="1335052827"/>
-      </p:ext>
-    </p:extLst>
-  </p:cSld>
-  <p:clrMapOvr>
-    <a:masterClrMapping/>
-  </p:clrMapOvr>
-</p:sld>
-</file>
-
-<file path=ppt/slides/slide21.xml><?xml version="1.0" encoding="utf-8"?>
-<p:sld xmlns:a="http://schemas.openxmlformats.org/drawingml/2006/main" xmlns:r="http://schemas.openxmlformats.org/officeDocument/2006/relationships" xmlns:p="http://schemas.openxmlformats.org/presentationml/2006/main">
-  <p:cSld>
-    <p:spTree>
-      <p:nvGrpSpPr>
-        <p:cNvPr id="1" name=""/>
-        <p:cNvGrpSpPr/>
-        <p:nvPr/>
-      </p:nvGrpSpPr>
-      <p:grpSpPr>
-        <a:xfrm>
-          <a:off x="0" y="0"/>
-          <a:ext cx="0" cy="0"/>
-          <a:chOff x="0" y="0"/>
-          <a:chExt cx="0" cy="0"/>
-        </a:xfrm>
-      </p:grpSpPr>
-      <p:sp>
-        <p:nvSpPr>
-          <p:cNvPr id="2" name="Title 1">
-            <a:extLst>
-              <a:ext uri="{FF2B5EF4-FFF2-40B4-BE49-F238E27FC236}">
-                <a16:creationId xmlns:a16="http://schemas.microsoft.com/office/drawing/2014/main" id="{236C9839-F5A9-4FCE-97E4-54920CAA162D}"/>
-              </a:ext>
-            </a:extLst>
-          </p:cNvPr>
-          <p:cNvSpPr>
-            <a:spLocks noGrp="1"/>
-          </p:cNvSpPr>
-          <p:nvPr>
-            <p:ph type="title"/>
-          </p:nvPr>
-        </p:nvSpPr>
-        <p:spPr/>
-        <p:txBody>
-          <a:bodyPr/>
-          <a:lstStyle/>
-          <a:p>
-            <a:r>
-              <a:rPr lang="en-MY" dirty="0"/>
-              <a:t>Training</a:t>
-            </a:r>
-          </a:p>
-        </p:txBody>
-      </p:sp>
-      <p:sp>
-        <p:nvSpPr>
-          <p:cNvPr id="3" name="Content Placeholder 2">
-            <a:extLst>
-              <a:ext uri="{FF2B5EF4-FFF2-40B4-BE49-F238E27FC236}">
-                <a16:creationId xmlns:a16="http://schemas.microsoft.com/office/drawing/2014/main" id="{B889FCD1-A234-4AD8-9B54-6FE8E1ABDAFE}"/>
-              </a:ext>
-            </a:extLst>
-          </p:cNvPr>
-          <p:cNvSpPr>
-            <a:spLocks noGrp="1"/>
-          </p:cNvSpPr>
-          <p:nvPr>
-            <p:ph idx="1"/>
-          </p:nvPr>
-        </p:nvSpPr>
-        <p:spPr/>
-        <p:txBody>
-          <a:bodyPr/>
-          <a:lstStyle/>
-          <a:p>
-            <a:r>
-              <a:rPr lang="en-MY" dirty="0"/>
-              <a:t>Cloud platforms: expensive (GCP offers free trial but needs credit card)</a:t>
-            </a:r>
-          </a:p>
-          <a:p>
-            <a:r>
-              <a:rPr lang="en-MY" dirty="0"/>
-              <a:t>At the end, use our own computers: can only train with small subsets (</a:t>
-            </a:r>
-            <a:r>
-              <a:rPr lang="en-US" dirty="0">
-                <a:effectLst/>
-              </a:rPr>
-              <a:t>first 200 training shards and the first 100 validation shards.)</a:t>
-            </a:r>
-          </a:p>
-          <a:p>
-            <a:endParaRPr lang="en-MY" dirty="0"/>
-          </a:p>
-        </p:txBody>
-      </p:sp>
-    </p:spTree>
-    <p:extLst>
-      <p:ext uri="{BB962C8B-B14F-4D97-AF65-F5344CB8AC3E}">
-        <p14:creationId xmlns:p14="http://schemas.microsoft.com/office/powerpoint/2010/main" val="390895238"/>
-      </p:ext>
-    </p:extLst>
-  </p:cSld>
-  <p:clrMapOvr>
-    <a:masterClrMapping/>
-  </p:clrMapOvr>
-</p:sld>
-</file>
-
-<file path=ppt/slides/slide22.xml><?xml version="1.0" encoding="utf-8"?>
 <p:sld xmlns:a="http://schemas.openxmlformats.org/drawingml/2006/main" xmlns:r="http://schemas.openxmlformats.org/officeDocument/2006/relationships" xmlns:p="http://schemas.openxmlformats.org/presentationml/2006/main">
   <p:cSld>
     <p:spTree>
@@ -7766,7 +7522,7 @@
 </p:sld>
 </file>
 
-<file path=ppt/slides/slide23.xml><?xml version="1.0" encoding="utf-8"?>
+<file path=ppt/slides/slide21.xml><?xml version="1.0" encoding="utf-8"?>
 <p:sld xmlns:a="http://schemas.openxmlformats.org/drawingml/2006/main" xmlns:r="http://schemas.openxmlformats.org/officeDocument/2006/relationships" xmlns:p="http://schemas.openxmlformats.org/presentationml/2006/main">
   <p:cSld>
     <p:spTree>
@@ -7863,7 +7619,7 @@
 </p:sld>
 </file>
 
-<file path=ppt/slides/slide24.xml><?xml version="1.0" encoding="utf-8"?>
+<file path=ppt/slides/slide22.xml><?xml version="1.0" encoding="utf-8"?>
 <p:sld xmlns:a="http://schemas.openxmlformats.org/drawingml/2006/main" xmlns:r="http://schemas.openxmlformats.org/officeDocument/2006/relationships" xmlns:p="http://schemas.openxmlformats.org/presentationml/2006/main">
   <p:cSld>
     <p:spTree>
@@ -8037,7 +7793,7 @@
 </p:sld>
 </file>
 
-<file path=ppt/slides/slide25.xml><?xml version="1.0" encoding="utf-8"?>
+<file path=ppt/slides/slide23.xml><?xml version="1.0" encoding="utf-8"?>
 <p:sld xmlns:a="http://schemas.openxmlformats.org/drawingml/2006/main" xmlns:r="http://schemas.openxmlformats.org/officeDocument/2006/relationships" xmlns:p="http://schemas.openxmlformats.org/presentationml/2006/main">
   <p:cSld>
     <p:spTree>
@@ -8101,7 +7857,7 @@
         <p:spPr/>
         <p:txBody>
           <a:bodyPr>
-            <a:normAutofit fontScale="92500" lnSpcReduction="10000"/>
+            <a:normAutofit fontScale="92500" lnSpcReduction="20000"/>
           </a:bodyPr>
           <a:lstStyle/>
           <a:p>
@@ -8158,6 +7914,22 @@
               <a:rPr lang="en-MY" altLang="zh-CN" sz="2000" dirty="0"/>
               <a:t>Training and testing of LSTM model</a:t>
             </a:r>
+          </a:p>
+          <a:p>
+            <a:pPr lvl="1"/>
+            <a:r>
+              <a:rPr lang="en-US" sz="2000" dirty="0"/>
+              <a:t>Contribution of PPT and report about LSTM and </a:t>
+            </a:r>
+            <a:r>
+              <a:rPr lang="en-US" sz="2000" dirty="0" err="1"/>
+              <a:t>biLSTM</a:t>
+            </a:r>
+            <a:r>
+              <a:rPr lang="en-US" sz="2000" dirty="0"/>
+              <a:t> model</a:t>
+            </a:r>
+            <a:endParaRPr lang="en-MY" altLang="zh-CN" sz="2000" dirty="0"/>
           </a:p>
           <a:p>
             <a:r>
@@ -8207,7 +7979,7 @@
 </p:sld>
 </file>
 
-<file path=ppt/slides/slide26.xml><?xml version="1.0" encoding="utf-8"?>
+<file path=ppt/slides/slide24.xml><?xml version="1.0" encoding="utf-8"?>
 <p:sld xmlns:a="http://schemas.openxmlformats.org/drawingml/2006/main" xmlns:r="http://schemas.openxmlformats.org/officeDocument/2006/relationships" xmlns:p="http://schemas.openxmlformats.org/presentationml/2006/main">
   <p:cSld>
     <p:spTree>
@@ -8304,7 +8076,7 @@
 </p:sld>
 </file>
 
-<file path=ppt/slides/slide27.xml><?xml version="1.0" encoding="utf-8"?>
+<file path=ppt/slides/slide25.xml><?xml version="1.0" encoding="utf-8"?>
 <p:sld xmlns:a="http://schemas.openxmlformats.org/drawingml/2006/main" xmlns:r="http://schemas.openxmlformats.org/officeDocument/2006/relationships" xmlns:p="http://schemas.openxmlformats.org/presentationml/2006/main">
   <p:cSld>
     <p:spTree>
@@ -8464,6 +8236,10 @@
               <a:rPr lang="en-MY" sz="4800" dirty="0" err="1"/>
               <a:t>DMRNets</a:t>
             </a:r>
+            <a:r>
+              <a:rPr lang="en-US" sz="4800" dirty="0"/>
+              <a:t>(with FCN)</a:t>
+            </a:r>
             <a:endParaRPr lang="en-MY" sz="4800" dirty="0"/>
           </a:p>
           <a:p>
@@ -8509,211 +8285,6 @@
           <p:cNvPr id="2" name="Title 1">
             <a:extLst>
               <a:ext uri="{FF2B5EF4-FFF2-40B4-BE49-F238E27FC236}">
-                <a16:creationId xmlns:a16="http://schemas.microsoft.com/office/drawing/2014/main" id="{AD1D2AAC-3153-4CCF-BEF0-D9E71C7958CF}"/>
-              </a:ext>
-            </a:extLst>
-          </p:cNvPr>
-          <p:cNvSpPr>
-            <a:spLocks noGrp="1"/>
-          </p:cNvSpPr>
-          <p:nvPr>
-            <p:ph type="title"/>
-          </p:nvPr>
-        </p:nvSpPr>
-        <p:spPr/>
-        <p:txBody>
-          <a:bodyPr/>
-          <a:lstStyle/>
-          <a:p>
-            <a:r>
-              <a:rPr lang="en-MY" dirty="0"/>
-              <a:t>What is </a:t>
-            </a:r>
-            <a:r>
-              <a:rPr lang="en-MY" sz="3600" dirty="0" err="1"/>
-              <a:t>DMRNets</a:t>
-            </a:r>
-            <a:endParaRPr lang="en-MY" dirty="0"/>
-          </a:p>
-        </p:txBody>
-      </p:sp>
-      <p:sp>
-        <p:nvSpPr>
-          <p:cNvPr id="3" name="Content Placeholder 2">
-            <a:extLst>
-              <a:ext uri="{FF2B5EF4-FFF2-40B4-BE49-F238E27FC236}">
-                <a16:creationId xmlns:a16="http://schemas.microsoft.com/office/drawing/2014/main" id="{CB56ACE3-3B15-4E01-960F-3BC21EE95EC9}"/>
-              </a:ext>
-            </a:extLst>
-          </p:cNvPr>
-          <p:cNvSpPr>
-            <a:spLocks noGrp="1"/>
-          </p:cNvSpPr>
-          <p:nvPr>
-            <p:ph idx="1"/>
-          </p:nvPr>
-        </p:nvSpPr>
-        <p:spPr/>
-        <p:txBody>
-          <a:bodyPr>
-            <a:noAutofit/>
-          </a:bodyPr>
-          <a:lstStyle/>
-          <a:p>
-            <a:r>
-              <a:rPr lang="en-MY" sz="2800" dirty="0"/>
-              <a:t>A variation of </a:t>
-            </a:r>
-            <a:r>
-              <a:rPr lang="en-US" sz="2800" dirty="0"/>
-              <a:t>D</a:t>
-            </a:r>
-            <a:r>
-              <a:rPr lang="en-US" sz="2800" dirty="0">
-                <a:effectLst/>
-              </a:rPr>
-              <a:t>eep convolutional neural networks with </a:t>
-            </a:r>
-            <a:r>
-              <a:rPr lang="en-US" sz="2800" dirty="0"/>
-              <a:t>M</a:t>
-            </a:r>
-            <a:r>
-              <a:rPr lang="en-US" sz="2800" dirty="0">
-                <a:effectLst/>
-              </a:rPr>
-              <a:t>erge-and-Run mappings (coincidentally has the same short-form </a:t>
-            </a:r>
-            <a:r>
-              <a:rPr lang="en-US" sz="2800" dirty="0" err="1">
-                <a:effectLst/>
-              </a:rPr>
-              <a:t>DMRNets</a:t>
-            </a:r>
-            <a:r>
-              <a:rPr lang="en-US" sz="2800" dirty="0">
-                <a:effectLst/>
-              </a:rPr>
-              <a:t>, to differentiate, </a:t>
-            </a:r>
-            <a:r>
-              <a:rPr lang="en-US" sz="2800" dirty="0" err="1">
-                <a:effectLst/>
-              </a:rPr>
-              <a:t>DMRNets</a:t>
-            </a:r>
-            <a:r>
-              <a:rPr lang="en-US" sz="2800" dirty="0">
-                <a:effectLst/>
-              </a:rPr>
-              <a:t>(CNN) and </a:t>
-            </a:r>
-            <a:r>
-              <a:rPr lang="en-US" sz="2800" dirty="0" err="1">
-                <a:effectLst/>
-              </a:rPr>
-              <a:t>DMRNets</a:t>
-            </a:r>
-            <a:r>
-              <a:rPr lang="en-US" sz="2800" dirty="0">
-                <a:effectLst/>
-              </a:rPr>
-              <a:t>(FCN))</a:t>
-            </a:r>
-          </a:p>
-          <a:p>
-            <a:r>
-              <a:rPr lang="en-US" sz="2800" dirty="0" err="1">
-                <a:effectLst/>
-              </a:rPr>
-              <a:t>DMRNets</a:t>
-            </a:r>
-            <a:r>
-              <a:rPr lang="en-US" sz="2800" dirty="0">
-                <a:effectLst/>
-              </a:rPr>
-              <a:t>(CNN) itself is a variation of </a:t>
-            </a:r>
-            <a:r>
-              <a:rPr lang="en-MY" sz="2800" dirty="0"/>
-              <a:t>R</a:t>
-            </a:r>
-            <a:r>
-              <a:rPr lang="en-MY" sz="2800" dirty="0">
-                <a:effectLst/>
-              </a:rPr>
-              <a:t>esidual </a:t>
-            </a:r>
-            <a:r>
-              <a:rPr lang="en-MY" sz="2800" dirty="0"/>
-              <a:t>N</a:t>
-            </a:r>
-            <a:r>
-              <a:rPr lang="en-MY" sz="2800" dirty="0">
-                <a:effectLst/>
-              </a:rPr>
-              <a:t>eural </a:t>
-            </a:r>
-            <a:r>
-              <a:rPr lang="en-MY" sz="2800" dirty="0"/>
-              <a:t>N</a:t>
-            </a:r>
-            <a:r>
-              <a:rPr lang="en-MY" sz="2800" dirty="0">
-                <a:effectLst/>
-              </a:rPr>
-              <a:t>etwork (</a:t>
-            </a:r>
-            <a:r>
-              <a:rPr lang="en-MY" sz="2800" dirty="0" err="1">
-                <a:effectLst/>
-              </a:rPr>
-              <a:t>ResNet</a:t>
-            </a:r>
-            <a:r>
-              <a:rPr lang="en-MY" sz="2800" dirty="0">
-                <a:effectLst/>
-              </a:rPr>
-              <a:t>)</a:t>
-            </a:r>
-          </a:p>
-        </p:txBody>
-      </p:sp>
-    </p:spTree>
-    <p:extLst>
-      <p:ext uri="{BB962C8B-B14F-4D97-AF65-F5344CB8AC3E}">
-        <p14:creationId xmlns:p14="http://schemas.microsoft.com/office/powerpoint/2010/main" val="608741834"/>
-      </p:ext>
-    </p:extLst>
-  </p:cSld>
-  <p:clrMapOvr>
-    <a:masterClrMapping/>
-  </p:clrMapOvr>
-</p:sld>
-</file>
-
-<file path=ppt/slides/slide5.xml><?xml version="1.0" encoding="utf-8"?>
-<p:sld xmlns:a="http://schemas.openxmlformats.org/drawingml/2006/main" xmlns:r="http://schemas.openxmlformats.org/officeDocument/2006/relationships" xmlns:p="http://schemas.openxmlformats.org/presentationml/2006/main">
-  <p:cSld>
-    <p:spTree>
-      <p:nvGrpSpPr>
-        <p:cNvPr id="1" name=""/>
-        <p:cNvGrpSpPr/>
-        <p:nvPr/>
-      </p:nvGrpSpPr>
-      <p:grpSpPr>
-        <a:xfrm>
-          <a:off x="0" y="0"/>
-          <a:ext cx="0" cy="0"/>
-          <a:chOff x="0" y="0"/>
-          <a:chExt cx="0" cy="0"/>
-        </a:xfrm>
-      </p:grpSpPr>
-      <p:sp>
-        <p:nvSpPr>
-          <p:cNvPr id="2" name="Title 1">
-            <a:extLst>
-              <a:ext uri="{FF2B5EF4-FFF2-40B4-BE49-F238E27FC236}">
                 <a16:creationId xmlns:a16="http://schemas.microsoft.com/office/drawing/2014/main" id="{09D51C14-74AE-47A5-BF9A-26EDF4FF1472}"/>
               </a:ext>
             </a:extLst>
@@ -8970,6 +8541,215 @@
 </p:sld>
 </file>
 
+<file path=ppt/slides/slide5.xml><?xml version="1.0" encoding="utf-8"?>
+<p:sld xmlns:a="http://schemas.openxmlformats.org/drawingml/2006/main" xmlns:r="http://schemas.openxmlformats.org/officeDocument/2006/relationships" xmlns:p="http://schemas.openxmlformats.org/presentationml/2006/main" show="0">
+  <p:cSld>
+    <p:spTree>
+      <p:nvGrpSpPr>
+        <p:cNvPr id="1" name=""/>
+        <p:cNvGrpSpPr/>
+        <p:nvPr/>
+      </p:nvGrpSpPr>
+      <p:grpSpPr>
+        <a:xfrm>
+          <a:off x="0" y="0"/>
+          <a:ext cx="0" cy="0"/>
+          <a:chOff x="0" y="0"/>
+          <a:chExt cx="0" cy="0"/>
+        </a:xfrm>
+      </p:grpSpPr>
+      <p:sp>
+        <p:nvSpPr>
+          <p:cNvPr id="2" name="Title 1">
+            <a:extLst>
+              <a:ext uri="{FF2B5EF4-FFF2-40B4-BE49-F238E27FC236}">
+                <a16:creationId xmlns:a16="http://schemas.microsoft.com/office/drawing/2014/main" id="{AB7D507A-EE60-4E1C-B413-56BF7390EE3B}"/>
+              </a:ext>
+            </a:extLst>
+          </p:cNvPr>
+          <p:cNvSpPr>
+            <a:spLocks noGrp="1"/>
+          </p:cNvSpPr>
+          <p:nvPr>
+            <p:ph type="title"/>
+          </p:nvPr>
+        </p:nvSpPr>
+        <p:spPr/>
+        <p:txBody>
+          <a:bodyPr/>
+          <a:lstStyle/>
+          <a:p>
+            <a:r>
+              <a:rPr lang="en-MY" dirty="0"/>
+              <a:t>Based on </a:t>
+            </a:r>
+            <a:r>
+              <a:rPr lang="en-MY" dirty="0" err="1"/>
+              <a:t>ResNet</a:t>
+            </a:r>
+            <a:r>
+              <a:rPr lang="en-MY" dirty="0"/>
+              <a:t>: </a:t>
+            </a:r>
+            <a:r>
+              <a:rPr lang="en-MY" dirty="0" err="1"/>
+              <a:t>DMRNets</a:t>
+            </a:r>
+            <a:r>
+              <a:rPr lang="en-MY" dirty="0"/>
+              <a:t>(CNN)</a:t>
+            </a:r>
+          </a:p>
+        </p:txBody>
+      </p:sp>
+      <p:sp>
+        <p:nvSpPr>
+          <p:cNvPr id="3" name="Content Placeholder 2">
+            <a:extLst>
+              <a:ext uri="{FF2B5EF4-FFF2-40B4-BE49-F238E27FC236}">
+                <a16:creationId xmlns:a16="http://schemas.microsoft.com/office/drawing/2014/main" id="{C508006A-7567-41CC-820B-A7D2AB6429B4}"/>
+              </a:ext>
+            </a:extLst>
+          </p:cNvPr>
+          <p:cNvSpPr>
+            <a:spLocks noGrp="1"/>
+          </p:cNvSpPr>
+          <p:nvPr>
+            <p:ph idx="1"/>
+          </p:nvPr>
+        </p:nvSpPr>
+        <p:spPr>
+          <a:xfrm>
+            <a:off x="153551" y="1930400"/>
+            <a:ext cx="7996150" cy="3880773"/>
+          </a:xfrm>
+        </p:spPr>
+        <p:txBody>
+          <a:bodyPr>
+            <a:normAutofit/>
+          </a:bodyPr>
+          <a:lstStyle/>
+          <a:p>
+            <a:pPr algn="l"/>
+            <a:r>
+              <a:rPr lang="en-MY" sz="3200" b="0" i="0" u="none" strike="noStrike" baseline="0" dirty="0">
+                <a:latin typeface="LtjxrhQtqljpNimbusRomNo9L-Regu"/>
+              </a:rPr>
+              <a:t>Assembles the </a:t>
+            </a:r>
+            <a:r>
+              <a:rPr lang="en-US" sz="3200" b="0" i="0" u="none" strike="noStrike" baseline="0" dirty="0">
+                <a:latin typeface="LtjxrhQtqljpNimbusRomNo9L-Regu"/>
+              </a:rPr>
+              <a:t>residual branches in parallel through a </a:t>
+            </a:r>
+            <a:r>
+              <a:rPr lang="en-US" sz="3200" b="0" i="0" u="none" strike="noStrike" baseline="0" dirty="0">
+                <a:latin typeface="RvsyybBcswcfNimbusRomNo9L-ReguItal"/>
+              </a:rPr>
+              <a:t>merge-and run</a:t>
+            </a:r>
+            <a:r>
+              <a:rPr lang="en-US" sz="3200" dirty="0">
+                <a:latin typeface="RvsyybBcswcfNimbusRomNo9L-ReguItal"/>
+              </a:rPr>
+              <a:t> </a:t>
+            </a:r>
+            <a:r>
+              <a:rPr lang="en-MY" sz="3200" b="0" i="0" u="none" strike="noStrike" baseline="0" dirty="0">
+                <a:latin typeface="RvsyybBcswcfNimbusRomNo9L-ReguItal"/>
+              </a:rPr>
+              <a:t>mapping. </a:t>
+            </a:r>
+          </a:p>
+          <a:p>
+            <a:pPr algn="l"/>
+            <a:r>
+              <a:rPr lang="en-US" sz="3200" b="0" i="0" u="none" strike="noStrike" baseline="0" dirty="0">
+                <a:latin typeface="RvsyybBcswcfNimbusRomNo9L-ReguItal"/>
+              </a:rPr>
+              <a:t>Merge: </a:t>
+            </a:r>
+            <a:r>
+              <a:rPr lang="en-US" sz="3200" b="0" i="0" u="none" strike="noStrike" baseline="0" dirty="0">
+                <a:latin typeface="LtjxrhQtqljpNimbusRomNo9L-Regu"/>
+              </a:rPr>
+              <a:t>average the inputs of these residual branches.</a:t>
+            </a:r>
+          </a:p>
+          <a:p>
+            <a:pPr algn="l"/>
+            <a:r>
+              <a:rPr lang="en-MY" sz="3200" b="0" i="0" u="none" strike="noStrike" baseline="0" dirty="0">
+                <a:latin typeface="RvsyybBcswcfNimbusRomNo9L-ReguItal"/>
+              </a:rPr>
+              <a:t>Run:</a:t>
+            </a:r>
+            <a:r>
+              <a:rPr lang="en-US" sz="3200" b="0" i="0" u="none" strike="noStrike" baseline="0" dirty="0">
+                <a:latin typeface="LtjxrhQtqljpNimbusRomNo9L-Regu"/>
+              </a:rPr>
+              <a:t> add the average to the output of each residual branch as the input of the subsequent </a:t>
+            </a:r>
+            <a:r>
+              <a:rPr lang="en-MY" sz="3200" b="0" i="0" u="none" strike="noStrike" baseline="0" dirty="0">
+                <a:latin typeface="LtjxrhQtqljpNimbusRomNo9L-Regu"/>
+              </a:rPr>
+              <a:t>residual branch.</a:t>
+            </a:r>
+            <a:endParaRPr lang="en-MY" sz="3200" dirty="0"/>
+          </a:p>
+        </p:txBody>
+      </p:sp>
+      <p:pic>
+        <p:nvPicPr>
+          <p:cNvPr id="5" name="Picture 4">
+            <a:extLst>
+              <a:ext uri="{FF2B5EF4-FFF2-40B4-BE49-F238E27FC236}">
+                <a16:creationId xmlns:a16="http://schemas.microsoft.com/office/drawing/2014/main" id="{C0714F67-EE47-455D-971B-21EA89E00E42}"/>
+              </a:ext>
+            </a:extLst>
+          </p:cNvPr>
+          <p:cNvPicPr>
+            <a:picLocks noChangeAspect="1"/>
+          </p:cNvPicPr>
+          <p:nvPr/>
+        </p:nvPicPr>
+        <p:blipFill>
+          <a:blip r:embed="rId2">
+            <a:extLst>
+              <a:ext uri="{28A0092B-C50C-407E-A947-70E740481C1C}">
+                <a14:useLocalDpi xmlns:a14="http://schemas.microsoft.com/office/drawing/2010/main" val="0"/>
+              </a:ext>
+            </a:extLst>
+          </a:blip>
+          <a:stretch>
+            <a:fillRect/>
+          </a:stretch>
+        </p:blipFill>
+        <p:spPr>
+          <a:xfrm>
+            <a:off x="8673484" y="1765907"/>
+            <a:ext cx="2056153" cy="3782694"/>
+          </a:xfrm>
+          <a:prstGeom prst="rect">
+            <a:avLst/>
+          </a:prstGeom>
+        </p:spPr>
+      </p:pic>
+    </p:spTree>
+    <p:extLst>
+      <p:ext uri="{BB962C8B-B14F-4D97-AF65-F5344CB8AC3E}">
+        <p14:creationId xmlns:p14="http://schemas.microsoft.com/office/powerpoint/2010/main" val="1247441626"/>
+      </p:ext>
+    </p:extLst>
+  </p:cSld>
+  <p:clrMapOvr>
+    <a:masterClrMapping/>
+  </p:clrMapOvr>
+</p:sld>
+</file>
+
 <file path=ppt/slides/slide6.xml><?xml version="1.0" encoding="utf-8"?>
 <p:sld xmlns:a="http://schemas.openxmlformats.org/drawingml/2006/main" xmlns:r="http://schemas.openxmlformats.org/officeDocument/2006/relationships" xmlns:p="http://schemas.openxmlformats.org/presentationml/2006/main">
   <p:cSld>
@@ -8992,7 +8772,7 @@
           <p:cNvPr id="2" name="Title 1">
             <a:extLst>
               <a:ext uri="{FF2B5EF4-FFF2-40B4-BE49-F238E27FC236}">
-                <a16:creationId xmlns:a16="http://schemas.microsoft.com/office/drawing/2014/main" id="{AB7D507A-EE60-4E1C-B413-56BF7390EE3B}"/>
+                <a16:creationId xmlns:a16="http://schemas.microsoft.com/office/drawing/2014/main" id="{63E456ED-976F-416F-871A-FBDDBF629EEE}"/>
               </a:ext>
             </a:extLst>
           </p:cNvPr>
@@ -9010,24 +8790,21 @@
           <a:p>
             <a:r>
               <a:rPr lang="en-MY" dirty="0"/>
-              <a:t>Based on </a:t>
-            </a:r>
-            <a:r>
-              <a:rPr lang="en-MY" dirty="0" err="1"/>
-              <a:t>ResNet</a:t>
-            </a:r>
-            <a:r>
-              <a:rPr lang="en-MY" dirty="0"/>
-              <a:t>: </a:t>
-            </a:r>
-            <a:r>
-              <a:rPr lang="en-MY" dirty="0" err="1"/>
+              <a:t>Finally: </a:t>
+            </a:r>
+            <a:r>
+              <a:rPr lang="en-US" sz="3600" dirty="0" err="1">
+                <a:effectLst/>
+              </a:rPr>
               <a:t>DMRNets</a:t>
             </a:r>
             <a:r>
-              <a:rPr lang="en-MY" dirty="0"/>
-              <a:t>(CNN)</a:t>
-            </a:r>
+              <a:rPr lang="en-US" sz="3600" dirty="0">
+                <a:effectLst/>
+              </a:rPr>
+              <a:t>(FCN)</a:t>
+            </a:r>
+            <a:endParaRPr lang="en-MY" dirty="0"/>
           </a:p>
         </p:txBody>
       </p:sp>
@@ -9036,7 +8813,7 @@
           <p:cNvPr id="3" name="Content Placeholder 2">
             <a:extLst>
               <a:ext uri="{FF2B5EF4-FFF2-40B4-BE49-F238E27FC236}">
-                <a16:creationId xmlns:a16="http://schemas.microsoft.com/office/drawing/2014/main" id="{C508006A-7567-41CC-820B-A7D2AB6429B4}"/>
+                <a16:creationId xmlns:a16="http://schemas.microsoft.com/office/drawing/2014/main" id="{E1A65383-4F2C-412A-8A26-B21EB97FB1AF}"/>
               </a:ext>
             </a:extLst>
           </p:cNvPr>
@@ -9047,88 +8824,114 @@
             <p:ph idx="1"/>
           </p:nvPr>
         </p:nvSpPr>
-        <p:spPr/>
+        <p:spPr>
+          <a:xfrm>
+            <a:off x="180184" y="2142834"/>
+            <a:ext cx="9460965" cy="3880773"/>
+          </a:xfrm>
+        </p:spPr>
         <p:txBody>
           <a:bodyPr>
             <a:normAutofit/>
           </a:bodyPr>
           <a:lstStyle/>
           <a:p>
-            <a:pPr algn="l"/>
-            <a:r>
-              <a:rPr lang="en-MY" sz="3200" b="0" i="0" u="none" strike="noStrike" baseline="0" dirty="0">
-                <a:latin typeface="LtjxrhQtqljpNimbusRomNo9L-Regu"/>
+            <a:r>
+              <a:rPr lang="en-MY" dirty="0"/>
+              <a:t>Variation of </a:t>
+            </a:r>
+            <a:r>
+              <a:rPr lang="en-US" sz="1800" dirty="0" err="1">
+                <a:effectLst/>
               </a:rPr>
-              <a:t>Assembles the </a:t>
-            </a:r>
-            <a:r>
-              <a:rPr lang="en-US" sz="3200" b="0" i="0" u="none" strike="noStrike" baseline="0" dirty="0">
-                <a:latin typeface="LtjxrhQtqljpNimbusRomNo9L-Regu"/>
+              <a:t>DMRNets</a:t>
+            </a:r>
+            <a:r>
+              <a:rPr lang="en-US" sz="1800" dirty="0">
+                <a:effectLst/>
               </a:rPr>
-              <a:t>residual branches in parallel through a </a:t>
-            </a:r>
-            <a:r>
-              <a:rPr lang="en-US" sz="3200" b="0" i="0" u="none" strike="noStrike" baseline="0" dirty="0">
-                <a:latin typeface="RvsyybBcswcfNimbusRomNo9L-ReguItal"/>
-              </a:rPr>
-              <a:t>merge-and run</a:t>
-            </a:r>
-            <a:r>
-              <a:rPr lang="en-US" sz="3200" dirty="0">
-                <a:latin typeface="RvsyybBcswcfNimbusRomNo9L-ReguItal"/>
-              </a:rPr>
-              <a:t> </a:t>
-            </a:r>
-            <a:r>
-              <a:rPr lang="en-MY" sz="3200" b="0" i="0" u="none" strike="noStrike" baseline="0" dirty="0">
-                <a:latin typeface="RvsyybBcswcfNimbusRomNo9L-ReguItal"/>
-              </a:rPr>
-              <a:t>mapping. </a:t>
-            </a:r>
-          </a:p>
-          <a:p>
-            <a:pPr algn="l"/>
-            <a:r>
-              <a:rPr lang="en-US" sz="3200" b="0" i="0" u="none" strike="noStrike" baseline="0" dirty="0">
-                <a:latin typeface="RvsyybBcswcfNimbusRomNo9L-ReguItal"/>
-              </a:rPr>
-              <a:t>Merge: </a:t>
-            </a:r>
-            <a:r>
-              <a:rPr lang="en-US" sz="3200" b="0" i="0" u="none" strike="noStrike" baseline="0" dirty="0">
-                <a:latin typeface="LtjxrhQtqljpNimbusRomNo9L-Regu"/>
-              </a:rPr>
-              <a:t>average the inputs of these residual branches.</a:t>
-            </a:r>
-          </a:p>
-          <a:p>
-            <a:pPr algn="l"/>
-            <a:r>
-              <a:rPr lang="en-MY" sz="3200" b="0" i="0" u="none" strike="noStrike" baseline="0" dirty="0">
-                <a:latin typeface="RvsyybBcswcfNimbusRomNo9L-ReguItal"/>
-              </a:rPr>
-              <a:t>Run:</a:t>
-            </a:r>
-            <a:r>
-              <a:rPr lang="en-US" sz="3200" b="0" i="0" u="none" strike="noStrike" baseline="0" dirty="0">
-                <a:latin typeface="LtjxrhQtqljpNimbusRomNo9L-Regu"/>
-              </a:rPr>
-              <a:t> add the average to the output of each residual branch as the input of the subsequent </a:t>
-            </a:r>
-            <a:r>
-              <a:rPr lang="en-MY" sz="3200" b="0" i="0" u="none" strike="noStrike" baseline="0" dirty="0">
-                <a:latin typeface="LtjxrhQtqljpNimbusRomNo9L-Regu"/>
-              </a:rPr>
-              <a:t>residual branch.</a:t>
-            </a:r>
-            <a:endParaRPr lang="en-MY" sz="3200" dirty="0"/>
+              <a:t>(CNN): change the conv layers(CNN) into fully connected layers(FCN).</a:t>
+            </a:r>
+          </a:p>
+          <a:p>
+            <a:r>
+              <a:rPr lang="en-MY" dirty="0"/>
+              <a:t>Model Structure:</a:t>
+            </a:r>
+          </a:p>
+          <a:p>
+            <a:pPr lvl="1"/>
+            <a:r>
+              <a:rPr lang="en-MY" dirty="0" err="1"/>
+              <a:t>fc_block</a:t>
+            </a:r>
+            <a:r>
+              <a:rPr lang="en-MY" dirty="0"/>
+              <a:t> (dense -&gt; batch normalization -&gt; leaky </a:t>
+            </a:r>
+            <a:r>
+              <a:rPr lang="en-MY" dirty="0" err="1"/>
+              <a:t>ReLU</a:t>
+            </a:r>
+            <a:r>
+              <a:rPr lang="en-MY" dirty="0"/>
+              <a:t> -&gt; dropout)</a:t>
+            </a:r>
+          </a:p>
+          <a:p>
+            <a:pPr lvl="1"/>
+            <a:r>
+              <a:rPr lang="en-MY" dirty="0"/>
+              <a:t>Merge-and-Run (two branches)</a:t>
+            </a:r>
+          </a:p>
+          <a:p>
+            <a:pPr lvl="2"/>
+            <a:r>
+              <a:rPr lang="en-MY" dirty="0"/>
+              <a:t>Branch a (</a:t>
+            </a:r>
+            <a:r>
+              <a:rPr lang="en-MY" dirty="0" err="1"/>
+              <a:t>fc_block</a:t>
+            </a:r>
+            <a:r>
+              <a:rPr lang="en-MY" dirty="0"/>
+              <a:t>)</a:t>
+            </a:r>
+          </a:p>
+          <a:p>
+            <a:pPr lvl="2"/>
+            <a:r>
+              <a:rPr lang="en-MY" dirty="0"/>
+              <a:t>Branch b (identity map)</a:t>
+            </a:r>
+          </a:p>
+          <a:p>
+            <a:pPr lvl="2"/>
+            <a:r>
+              <a:rPr lang="en-MY" dirty="0"/>
+              <a:t>Average branch a and b</a:t>
+            </a:r>
+          </a:p>
+          <a:p>
+            <a:pPr lvl="2"/>
+            <a:r>
+              <a:rPr lang="en-MY" dirty="0"/>
+              <a:t>Leaky </a:t>
+            </a:r>
+            <a:r>
+              <a:rPr lang="en-MY" dirty="0" err="1"/>
+              <a:t>ReLU</a:t>
+            </a:r>
+            <a:endParaRPr lang="en-MY" dirty="0"/>
           </a:p>
         </p:txBody>
       </p:sp>
     </p:spTree>
     <p:extLst>
       <p:ext uri="{BB962C8B-B14F-4D97-AF65-F5344CB8AC3E}">
-        <p14:creationId xmlns:p14="http://schemas.microsoft.com/office/powerpoint/2010/main" val="1247441626"/>
+        <p14:creationId xmlns:p14="http://schemas.microsoft.com/office/powerpoint/2010/main" val="4023571702"/>
       </p:ext>
     </p:extLst>
   </p:cSld>
@@ -9157,10 +8960,10 @@
       </p:grpSpPr>
       <p:sp>
         <p:nvSpPr>
-          <p:cNvPr id="2" name="Title 1">
+          <p:cNvPr id="4" name="Content Placeholder 3">
             <a:extLst>
               <a:ext uri="{FF2B5EF4-FFF2-40B4-BE49-F238E27FC236}">
-                <a16:creationId xmlns:a16="http://schemas.microsoft.com/office/drawing/2014/main" id="{B3BA30BA-F606-414F-A01F-C3CA10CD5EEB}"/>
+                <a16:creationId xmlns:a16="http://schemas.microsoft.com/office/drawing/2014/main" id="{DFE9FA1E-22FF-40DF-AFC1-AA54B798F90D}"/>
               </a:ext>
             </a:extLst>
           </p:cNvPr>
@@ -9168,7 +8971,7 @@
             <a:spLocks noGrp="1"/>
           </p:cNvSpPr>
           <p:nvPr>
-            <p:ph type="title"/>
+            <p:ph idx="1"/>
           </p:nvPr>
         </p:nvSpPr>
         <p:spPr/>
@@ -9176,28 +8979,23 @@
           <a:bodyPr/>
           <a:lstStyle/>
           <a:p>
-            <a:r>
-              <a:rPr lang="en-MY" dirty="0"/>
-              <a:t>Comparison</a:t>
-            </a:r>
+            <a:endParaRPr lang="en-US" dirty="0"/>
           </a:p>
         </p:txBody>
       </p:sp>
       <p:pic>
         <p:nvPicPr>
-          <p:cNvPr id="4" name="Content Placeholder 3">
+          <p:cNvPr id="7" name="Picture 6">
             <a:extLst>
               <a:ext uri="{FF2B5EF4-FFF2-40B4-BE49-F238E27FC236}">
-                <a16:creationId xmlns:a16="http://schemas.microsoft.com/office/drawing/2014/main" id="{0B0FEFD9-7DEC-4A72-B46A-5F15BA923B34}"/>
+                <a16:creationId xmlns:a16="http://schemas.microsoft.com/office/drawing/2014/main" id="{D327DECE-B360-4361-9D69-979EC22BFA76}"/>
               </a:ext>
             </a:extLst>
           </p:cNvPr>
           <p:cNvPicPr>
-            <a:picLocks noGrp="1" noChangeAspect="1"/>
+            <a:picLocks noChangeAspect="1"/>
           </p:cNvPicPr>
-          <p:nvPr>
-            <p:ph idx="1"/>
-          </p:nvPr>
+          <p:nvPr/>
         </p:nvPicPr>
         <p:blipFill>
           <a:blip r:embed="rId2"/>
@@ -9207,8 +9005,8 @@
         </p:blipFill>
         <p:spPr>
           <a:xfrm>
-            <a:off x="1434336" y="1930400"/>
-            <a:ext cx="6848475" cy="3333750"/>
+            <a:off x="3494825" y="386178"/>
+            <a:ext cx="8356886" cy="6288350"/>
           </a:xfrm>
           <a:prstGeom prst="rect">
             <a:avLst/>
@@ -9217,50 +9015,45 @@
       </p:pic>
       <p:sp>
         <p:nvSpPr>
-          <p:cNvPr id="5" name="TextBox 4">
+          <p:cNvPr id="2" name="Title 1">
             <a:extLst>
               <a:ext uri="{FF2B5EF4-FFF2-40B4-BE49-F238E27FC236}">
-                <a16:creationId xmlns:a16="http://schemas.microsoft.com/office/drawing/2014/main" id="{8C9A4350-0965-4436-B14E-E35E7D097B2A}"/>
+                <a16:creationId xmlns:a16="http://schemas.microsoft.com/office/drawing/2014/main" id="{1859546E-55BE-429D-B03D-A980A9BF09FE}"/>
               </a:ext>
             </a:extLst>
           </p:cNvPr>
-          <p:cNvSpPr txBox="1"/>
-          <p:nvPr/>
+          <p:cNvSpPr>
+            <a:spLocks noGrp="1"/>
+          </p:cNvSpPr>
+          <p:nvPr>
+            <p:ph type="title"/>
+          </p:nvPr>
         </p:nvSpPr>
         <p:spPr>
           <a:xfrm>
-            <a:off x="1023275" y="5427677"/>
-            <a:ext cx="8355616" cy="369332"/>
+            <a:off x="417251" y="386178"/>
+            <a:ext cx="4101483" cy="1320800"/>
           </a:xfrm>
-          <a:prstGeom prst="rect">
-            <a:avLst/>
-          </a:prstGeom>
-          <a:noFill/>
         </p:spPr>
         <p:txBody>
-          <a:bodyPr wrap="square" rtlCol="0">
-            <a:spAutoFit/>
-          </a:bodyPr>
-          <a:lstStyle/>
-          <a:p>
+          <a:bodyPr/>
+          <a:lstStyle/>
+          <a:p>
+            <a:r>
+              <a:rPr lang="en-MY" dirty="0" err="1"/>
+              <a:t>DMRNets</a:t>
+            </a:r>
             <a:r>
               <a:rPr lang="en-MY" dirty="0"/>
-              <a:t>Image source: </a:t>
-            </a:r>
-            <a:r>
-              <a:rPr lang="en-US" sz="1800" b="0" i="0" u="none" strike="noStrike" baseline="0" dirty="0">
-                <a:latin typeface="GdcstbGdbmcvNimbusRomNo9L-Medi"/>
-              </a:rPr>
-              <a:t>Deep Convolutional Neural Networks with Merge-and-Run Mappings</a:t>
-            </a:r>
-            <a:endParaRPr lang="en-MY" dirty="0"/>
+              <a:t> structure</a:t>
+            </a:r>
           </a:p>
         </p:txBody>
       </p:sp>
     </p:spTree>
     <p:extLst>
       <p:ext uri="{BB962C8B-B14F-4D97-AF65-F5344CB8AC3E}">
-        <p14:creationId xmlns:p14="http://schemas.microsoft.com/office/powerpoint/2010/main" val="4172999318"/>
+        <p14:creationId xmlns:p14="http://schemas.microsoft.com/office/powerpoint/2010/main" val="1713373309"/>
       </p:ext>
     </p:extLst>
   </p:cSld>
@@ -9292,7 +9085,7 @@
           <p:cNvPr id="2" name="Title 1">
             <a:extLst>
               <a:ext uri="{FF2B5EF4-FFF2-40B4-BE49-F238E27FC236}">
-                <a16:creationId xmlns:a16="http://schemas.microsoft.com/office/drawing/2014/main" id="{63E456ED-976F-416F-871A-FBDDBF629EEE}"/>
+                <a16:creationId xmlns:a16="http://schemas.microsoft.com/office/drawing/2014/main" id="{9E8DE958-F766-43C9-A90E-7DB421810679}"/>
               </a:ext>
             </a:extLst>
           </p:cNvPr>
@@ -9309,20 +9102,8 @@
           <a:lstStyle/>
           <a:p>
             <a:r>
-              <a:rPr lang="en-MY" dirty="0"/>
-              <a:t>Finally: </a:t>
-            </a:r>
-            <a:r>
-              <a:rPr lang="en-US" sz="3600" dirty="0" err="1">
-                <a:effectLst/>
-              </a:rPr>
-              <a:t>DMRNets</a:t>
-            </a:r>
-            <a:r>
-              <a:rPr lang="en-US" sz="3600" dirty="0">
-                <a:effectLst/>
-              </a:rPr>
-              <a:t>(FCN)</a:t>
+              <a:rPr lang="en-US" altLang="zh-CN" dirty="0"/>
+              <a:t>Performance</a:t>
             </a:r>
             <a:endParaRPr lang="en-MY" dirty="0"/>
           </a:p>
@@ -9333,7 +9114,7 @@
           <p:cNvPr id="3" name="Content Placeholder 2">
             <a:extLst>
               <a:ext uri="{FF2B5EF4-FFF2-40B4-BE49-F238E27FC236}">
-                <a16:creationId xmlns:a16="http://schemas.microsoft.com/office/drawing/2014/main" id="{E1A65383-4F2C-412A-8A26-B21EB97FB1AF}"/>
+                <a16:creationId xmlns:a16="http://schemas.microsoft.com/office/drawing/2014/main" id="{C98048D2-4401-4A54-826E-53EBE8361D2E}"/>
               </a:ext>
             </a:extLst>
           </p:cNvPr>
@@ -9346,98 +9127,71 @@
         </p:nvSpPr>
         <p:spPr/>
         <p:txBody>
-          <a:bodyPr>
-            <a:normAutofit/>
-          </a:bodyPr>
+          <a:bodyPr/>
           <a:lstStyle/>
           <a:p>
             <a:r>
               <a:rPr lang="en-MY" dirty="0"/>
-              <a:t>Variation of </a:t>
-            </a:r>
-            <a:r>
-              <a:rPr lang="en-US" sz="1800" dirty="0" err="1">
+              <a:t>The training did not converge </a:t>
+            </a:r>
+            <a:r>
+              <a:rPr lang="en-US" altLang="zh-CN" dirty="0"/>
+              <a:t>well</a:t>
+            </a:r>
+            <a:r>
+              <a:rPr lang="en-MY" dirty="0"/>
+              <a:t>.</a:t>
+            </a:r>
+          </a:p>
+          <a:p>
+            <a:r>
+              <a:rPr lang="en-US" dirty="0"/>
+              <a:t>What we</a:t>
+            </a:r>
+            <a:r>
+              <a:rPr lang="en-US" dirty="0">
                 <a:effectLst/>
               </a:rPr>
-              <a:t>DMRNets</a:t>
-            </a:r>
-            <a:r>
-              <a:rPr lang="en-US" sz="1800" dirty="0">
+              <a:t> tried </a:t>
+            </a:r>
+          </a:p>
+          <a:p>
+            <a:pPr lvl="1"/>
+            <a:r>
+              <a:rPr lang="en-US" dirty="0">
                 <a:effectLst/>
               </a:rPr>
-              <a:t>(CNN): change the conv layers(CNN) into fully connected layers(FCN).</a:t>
-            </a:r>
-          </a:p>
-          <a:p>
-            <a:r>
-              <a:rPr lang="en-MY" dirty="0"/>
-              <a:t>Model Structure:</a:t>
+              <a:t>modifying various parameters </a:t>
+            </a:r>
+          </a:p>
+          <a:p>
+            <a:pPr lvl="2"/>
+            <a:r>
+              <a:rPr lang="en-US" dirty="0">
+                <a:effectLst/>
+              </a:rPr>
+              <a:t>Epochs, learning rate, etc.</a:t>
             </a:r>
           </a:p>
           <a:p>
             <a:pPr lvl="1"/>
             <a:r>
-              <a:rPr lang="en-MY" dirty="0" err="1"/>
-              <a:t>fc_block</a:t>
-            </a:r>
-            <a:r>
-              <a:rPr lang="en-MY" dirty="0"/>
-              <a:t> (dense -&gt; batch normalization -&gt; leaky </a:t>
-            </a:r>
-            <a:r>
-              <a:rPr lang="en-MY" dirty="0" err="1"/>
-              <a:t>ReLU</a:t>
-            </a:r>
-            <a:r>
-              <a:rPr lang="en-MY" dirty="0"/>
-              <a:t> -&gt; dropout)</a:t>
-            </a:r>
-          </a:p>
-          <a:p>
-            <a:pPr lvl="1"/>
-            <a:r>
-              <a:rPr lang="en-MY" dirty="0"/>
-              <a:t>Merge-and-Run (two branches)</a:t>
-            </a:r>
-          </a:p>
-          <a:p>
-            <a:pPr lvl="2"/>
-            <a:r>
-              <a:rPr lang="en-MY" dirty="0"/>
-              <a:t>Branch a (</a:t>
-            </a:r>
-            <a:r>
-              <a:rPr lang="en-MY" dirty="0" err="1"/>
-              <a:t>fc_block</a:t>
-            </a:r>
-            <a:r>
-              <a:rPr lang="en-MY" dirty="0"/>
-              <a:t>)</a:t>
-            </a:r>
-          </a:p>
-          <a:p>
-            <a:pPr lvl="2"/>
-            <a:r>
-              <a:rPr lang="en-MY" dirty="0"/>
-              <a:t>Branch b (identity map)</a:t>
-            </a:r>
-          </a:p>
-          <a:p>
-            <a:pPr lvl="2"/>
-            <a:r>
-              <a:rPr lang="en-MY" dirty="0"/>
-              <a:t>Average branch a and b</a:t>
-            </a:r>
-          </a:p>
-          <a:p>
-            <a:pPr lvl="2"/>
-            <a:r>
-              <a:rPr lang="en-MY" dirty="0"/>
-              <a:t>Leaky </a:t>
-            </a:r>
-            <a:r>
-              <a:rPr lang="en-MY" dirty="0" err="1"/>
-              <a:t>ReLU</a:t>
+              <a:rPr lang="en-US" dirty="0">
+                <a:effectLst/>
+              </a:rPr>
+              <a:t>adjusting the depth of the model</a:t>
+            </a:r>
+          </a:p>
+          <a:p>
+            <a:r>
+              <a:rPr lang="en-US" dirty="0"/>
+              <a:t>B</a:t>
+            </a:r>
+            <a:r>
+              <a:rPr lang="en-US" dirty="0">
+                <a:effectLst/>
+              </a:rPr>
+              <a:t>ut in the end it couldn't work. </a:t>
             </a:r>
             <a:endParaRPr lang="en-MY" dirty="0"/>
           </a:p>
@@ -9446,7 +9200,7 @@
     </p:spTree>
     <p:extLst>
       <p:ext uri="{BB962C8B-B14F-4D97-AF65-F5344CB8AC3E}">
-        <p14:creationId xmlns:p14="http://schemas.microsoft.com/office/powerpoint/2010/main" val="4023571702"/>
+        <p14:creationId xmlns:p14="http://schemas.microsoft.com/office/powerpoint/2010/main" val="3229893653"/>
       </p:ext>
     </p:extLst>
   </p:cSld>
@@ -9478,7 +9232,7 @@
           <p:cNvPr id="2" name="Title 1">
             <a:extLst>
               <a:ext uri="{FF2B5EF4-FFF2-40B4-BE49-F238E27FC236}">
-                <a16:creationId xmlns:a16="http://schemas.microsoft.com/office/drawing/2014/main" id="{1859546E-55BE-429D-B03D-A980A9BF09FE}"/>
+                <a16:creationId xmlns:a16="http://schemas.microsoft.com/office/drawing/2014/main" id="{13EBCDCC-AC0E-4224-98FD-2780A74AE843}"/>
               </a:ext>
             </a:extLst>
           </p:cNvPr>
@@ -9486,7 +9240,7 @@
             <a:spLocks noGrp="1"/>
           </p:cNvSpPr>
           <p:nvPr>
-            <p:ph type="title"/>
+            <p:ph type="ctrTitle"/>
           </p:nvPr>
         </p:nvSpPr>
         <p:spPr/>
@@ -9494,49 +9248,54 @@
           <a:bodyPr/>
           <a:lstStyle/>
           <a:p>
-            <a:endParaRPr lang="en-MY"/>
-          </a:p>
-        </p:txBody>
-      </p:sp>
-      <p:pic>
-        <p:nvPicPr>
-          <p:cNvPr id="5" name="Content Placeholder 4">
+            <a:r>
+              <a:rPr lang="en-MY" altLang="zh-CN" dirty="0"/>
+              <a:t>Model Overview</a:t>
+            </a:r>
+            <a:endParaRPr lang="en-MY" dirty="0"/>
+          </a:p>
+        </p:txBody>
+      </p:sp>
+      <p:sp>
+        <p:nvSpPr>
+          <p:cNvPr id="3" name="Subtitle 2">
             <a:extLst>
               <a:ext uri="{FF2B5EF4-FFF2-40B4-BE49-F238E27FC236}">
-                <a16:creationId xmlns:a16="http://schemas.microsoft.com/office/drawing/2014/main" id="{AC93E612-4AAB-4A2E-B182-ECBEE5AD4C48}"/>
+                <a16:creationId xmlns:a16="http://schemas.microsoft.com/office/drawing/2014/main" id="{C8ACB5B7-FC3C-43ED-BB53-3FBA32F7AAAA}"/>
               </a:ext>
             </a:extLst>
           </p:cNvPr>
-          <p:cNvPicPr>
-            <a:picLocks noGrp="1" noChangeAspect="1"/>
-          </p:cNvPicPr>
-          <p:nvPr>
-            <p:ph idx="1"/>
-          </p:nvPr>
-        </p:nvPicPr>
-        <p:blipFill>
-          <a:blip r:embed="rId2">
-            <a:extLst>
-              <a:ext uri="{28A0092B-C50C-407E-A947-70E740481C1C}">
-                <a14:useLocalDpi xmlns:a14="http://schemas.microsoft.com/office/drawing/2010/main" val="0"/>
-              </a:ext>
-            </a:extLst>
-          </a:blip>
-          <a:stretch>
-            <a:fillRect/>
-          </a:stretch>
-        </p:blipFill>
-        <p:spPr>
-          <a:xfrm>
-            <a:off x="541863" y="253489"/>
-            <a:ext cx="8348435" cy="6226734"/>
-          </a:xfrm>
-        </p:spPr>
-      </p:pic>
+          <p:cNvSpPr>
+            <a:spLocks noGrp="1"/>
+          </p:cNvSpPr>
+          <p:nvPr>
+            <p:ph type="subTitle" idx="1"/>
+          </p:nvPr>
+        </p:nvSpPr>
+        <p:spPr/>
+        <p:txBody>
+          <a:bodyPr>
+            <a:normAutofit fontScale="70000" lnSpcReduction="20000"/>
+          </a:bodyPr>
+          <a:lstStyle/>
+          <a:p>
+            <a:r>
+              <a:rPr lang="en-MY" sz="4800" dirty="0"/>
+              <a:t>LSTM</a:t>
+            </a:r>
+          </a:p>
+          <a:p>
+            <a:r>
+              <a:rPr lang="en-MY" sz="3200" dirty="0"/>
+              <a:t>*Analysed and implemented by TAKEHIRO MATSUNAGA</a:t>
+            </a:r>
+          </a:p>
+        </p:txBody>
+      </p:sp>
     </p:spTree>
     <p:extLst>
       <p:ext uri="{BB962C8B-B14F-4D97-AF65-F5344CB8AC3E}">
-        <p14:creationId xmlns:p14="http://schemas.microsoft.com/office/powerpoint/2010/main" val="1713373309"/>
+        <p14:creationId xmlns:p14="http://schemas.microsoft.com/office/powerpoint/2010/main" val="1560932757"/>
       </p:ext>
     </p:extLst>
   </p:cSld>

--- a/Pre.pptx
+++ b/Pre.pptx
@@ -14,8 +14,8 @@
     <p:sldId id="282" r:id="rId8"/>
     <p:sldId id="283" r:id="rId9"/>
     <p:sldId id="284" r:id="rId10"/>
-    <p:sldId id="285" r:id="rId11"/>
-    <p:sldId id="298" r:id="rId12"/>
+    <p:sldId id="298" r:id="rId11"/>
+    <p:sldId id="285" r:id="rId12"/>
     <p:sldId id="286" r:id="rId13"/>
     <p:sldId id="288" r:id="rId14"/>
     <p:sldId id="289" r:id="rId15"/>
@@ -5971,7 +5971,7 @@
           <p:cNvPr id="2" name="Title 1">
             <a:extLst>
               <a:ext uri="{FF2B5EF4-FFF2-40B4-BE49-F238E27FC236}">
-                <a16:creationId xmlns:a16="http://schemas.microsoft.com/office/drawing/2014/main" id="{21FF45D8-377F-4CC2-8AE3-CA1A9D3AE3BE}"/>
+                <a16:creationId xmlns:a16="http://schemas.microsoft.com/office/drawing/2014/main" id="{32A1A432-2918-41F6-B030-F5FBC38A324E}"/>
               </a:ext>
             </a:extLst>
           </p:cNvPr>
@@ -5988,206 +5988,87 @@
           <a:lstStyle/>
           <a:p>
             <a:r>
-              <a:rPr lang="en-MY" dirty="0"/>
-              <a:t>What is LSTM?</a:t>
-            </a:r>
-          </a:p>
-        </p:txBody>
-      </p:sp>
-      <p:sp>
-        <p:nvSpPr>
-          <p:cNvPr id="3" name="Content Placeholder 2">
+              <a:rPr lang="en-US" dirty="0"/>
+              <a:t>RNN structure</a:t>
+            </a:r>
+          </a:p>
+        </p:txBody>
+      </p:sp>
+      <p:pic>
+        <p:nvPicPr>
+          <p:cNvPr id="5" name="Content Placeholder 4">
             <a:extLst>
               <a:ext uri="{FF2B5EF4-FFF2-40B4-BE49-F238E27FC236}">
-                <a16:creationId xmlns:a16="http://schemas.microsoft.com/office/drawing/2014/main" id="{C0E7BA72-9E50-499E-90A3-5D9086B36678}"/>
+                <a16:creationId xmlns:a16="http://schemas.microsoft.com/office/drawing/2014/main" id="{9281C922-B5BC-486F-A564-8190B952C423}"/>
               </a:ext>
             </a:extLst>
           </p:cNvPr>
-          <p:cNvSpPr>
-            <a:spLocks noGrp="1"/>
-          </p:cNvSpPr>
+          <p:cNvPicPr>
+            <a:picLocks noGrp="1" noChangeAspect="1"/>
+          </p:cNvPicPr>
           <p:nvPr>
             <p:ph idx="1"/>
           </p:nvPr>
-        </p:nvSpPr>
-        <p:spPr/>
-        <p:txBody>
-          <a:bodyPr/>
-          <a:lstStyle/>
-          <a:p>
-            <a:r>
-              <a:rPr lang="en-MY" dirty="0">
-                <a:solidFill>
-                  <a:schemeClr val="tx1"/>
-                </a:solidFill>
-              </a:rPr>
-              <a:t>A type of </a:t>
-            </a:r>
-            <a:r>
-              <a:rPr lang="en-US" dirty="0">
-                <a:solidFill>
-                  <a:schemeClr val="tx1"/>
-                </a:solidFill>
-                <a:effectLst/>
-                <a:latin typeface="Arial" panose="020B0604020202020204" pitchFamily="34" charset="0"/>
-              </a:rPr>
-              <a:t>recurrent neural network (RNN) architecture. </a:t>
-            </a:r>
-          </a:p>
-          <a:p>
-            <a:r>
-              <a:rPr lang="en-US" dirty="0">
-                <a:solidFill>
-                  <a:srgbClr val="202122"/>
-                </a:solidFill>
-                <a:effectLst/>
-                <a:latin typeface="Arial" panose="020B0604020202020204" pitchFamily="34" charset="0"/>
-              </a:rPr>
-              <a:t>A common LSTM unit is composed of:</a:t>
-            </a:r>
-          </a:p>
-          <a:p>
-            <a:pPr lvl="1"/>
-            <a:r>
-              <a:rPr lang="en-US" dirty="0">
-                <a:solidFill>
-                  <a:srgbClr val="202122"/>
-                </a:solidFill>
-                <a:effectLst/>
-                <a:latin typeface="Arial" panose="020B0604020202020204" pitchFamily="34" charset="0"/>
-              </a:rPr>
-              <a:t>a cell: remembers values over time intervals</a:t>
-            </a:r>
-          </a:p>
-          <a:p>
-            <a:pPr lvl="1"/>
-            <a:r>
-              <a:rPr lang="en-US" dirty="0">
-                <a:solidFill>
-                  <a:srgbClr val="202122"/>
-                </a:solidFill>
-                <a:latin typeface="Arial" panose="020B0604020202020204" pitchFamily="34" charset="0"/>
-              </a:rPr>
-              <a:t>3 gates to </a:t>
-            </a:r>
-            <a:r>
-              <a:rPr lang="en-US" sz="1600" dirty="0">
-                <a:solidFill>
-                  <a:srgbClr val="202122"/>
-                </a:solidFill>
-                <a:effectLst/>
-                <a:latin typeface="Arial" panose="020B0604020202020204" pitchFamily="34" charset="0"/>
-              </a:rPr>
-              <a:t>regulate the flow of information into and out of the cell.</a:t>
-            </a:r>
-          </a:p>
-          <a:p>
-            <a:pPr lvl="2"/>
-            <a:r>
-              <a:rPr lang="en-US" dirty="0">
-                <a:solidFill>
-                  <a:srgbClr val="202122"/>
-                </a:solidFill>
-                <a:effectLst/>
-                <a:latin typeface="Arial" panose="020B0604020202020204" pitchFamily="34" charset="0"/>
-              </a:rPr>
-              <a:t>forget gate: decides to forget which information.</a:t>
-            </a:r>
-          </a:p>
-          <a:p>
-            <a:pPr lvl="2"/>
-            <a:r>
-              <a:rPr lang="en-US" dirty="0">
-                <a:solidFill>
-                  <a:srgbClr val="202122"/>
-                </a:solidFill>
-                <a:effectLst/>
-                <a:latin typeface="Arial" panose="020B0604020202020204" pitchFamily="34" charset="0"/>
-              </a:rPr>
-              <a:t>input gate: decides to update which value, and update cell states.</a:t>
-            </a:r>
-          </a:p>
-          <a:p>
-            <a:pPr lvl="2"/>
-            <a:r>
-              <a:rPr lang="en-US" dirty="0">
-                <a:solidFill>
-                  <a:srgbClr val="202122"/>
-                </a:solidFill>
-                <a:effectLst/>
-                <a:latin typeface="Arial" panose="020B0604020202020204" pitchFamily="34" charset="0"/>
-              </a:rPr>
-              <a:t>output gate: output filtered cell states.</a:t>
-            </a:r>
-          </a:p>
-          <a:p>
-            <a:r>
-              <a:rPr lang="en-US" dirty="0">
-                <a:solidFill>
-                  <a:srgbClr val="202122"/>
-                </a:solidFill>
-                <a:effectLst/>
-                <a:latin typeface="Arial" panose="020B0604020202020204" pitchFamily="34" charset="0"/>
-                <a:cs typeface="Arial" panose="020B0604020202020204" pitchFamily="34" charset="0"/>
-              </a:rPr>
-              <a:t>TL;DR</a:t>
-            </a:r>
-            <a:r>
-              <a:rPr lang="en-US" dirty="0">
-                <a:solidFill>
-                  <a:srgbClr val="202122"/>
-                </a:solidFill>
-                <a:latin typeface="Arial" panose="020B0604020202020204" pitchFamily="34" charset="0"/>
-                <a:cs typeface="Arial" panose="020B0604020202020204" pitchFamily="34" charset="0"/>
-              </a:rPr>
-              <a:t>: use past context to predict the output.</a:t>
-            </a:r>
-          </a:p>
-          <a:p>
-            <a:pPr lvl="1"/>
-            <a:r>
-              <a:rPr lang="en-US" dirty="0">
-                <a:solidFill>
-                  <a:srgbClr val="202122"/>
-                </a:solidFill>
-                <a:effectLst/>
-                <a:latin typeface="Arial" panose="020B0604020202020204" pitchFamily="34" charset="0"/>
-                <a:cs typeface="Arial" panose="020B0604020202020204" pitchFamily="34" charset="0"/>
-              </a:rPr>
-              <a:t>Example: trying to predict next word based on given sentence </a:t>
-            </a:r>
-          </a:p>
-          <a:p>
-            <a:pPr lvl="1"/>
-            <a:r>
-              <a:rPr lang="en-US" dirty="0">
-                <a:solidFill>
-                  <a:srgbClr val="202122"/>
-                </a:solidFill>
-                <a:effectLst/>
-                <a:latin typeface="Arial" panose="020B0604020202020204" pitchFamily="34" charset="0"/>
-                <a:cs typeface="Arial" panose="020B0604020202020204" pitchFamily="34" charset="0"/>
-              </a:rPr>
-              <a:t>“he went to pool to …”</a:t>
-            </a:r>
-          </a:p>
-          <a:p>
-            <a:pPr lvl="1"/>
-            <a:endParaRPr lang="en-US" dirty="0">
-              <a:solidFill>
-                <a:srgbClr val="202122"/>
-              </a:solidFill>
-              <a:effectLst/>
-              <a:latin typeface="Arial" panose="020B0604020202020204" pitchFamily="34" charset="0"/>
-              <a:cs typeface="Arial" panose="020B0604020202020204" pitchFamily="34" charset="0"/>
-            </a:endParaRPr>
+        </p:nvPicPr>
+        <p:blipFill>
+          <a:blip r:embed="rId2">
+            <a:extLst>
+              <a:ext uri="{28A0092B-C50C-407E-A947-70E740481C1C}">
+                <a14:useLocalDpi xmlns:a14="http://schemas.microsoft.com/office/drawing/2010/main" val="0"/>
+              </a:ext>
+            </a:extLst>
+          </a:blip>
+          <a:stretch>
+            <a:fillRect/>
+          </a:stretch>
+        </p:blipFill>
+        <p:spPr>
+          <a:xfrm>
+            <a:off x="1852293" y="2305900"/>
+            <a:ext cx="7456668" cy="2485556"/>
+          </a:xfrm>
+        </p:spPr>
+      </p:pic>
+      <p:sp>
+        <p:nvSpPr>
+          <p:cNvPr id="7" name="TextBox 6">
+            <a:extLst>
+              <a:ext uri="{FF2B5EF4-FFF2-40B4-BE49-F238E27FC236}">
+                <a16:creationId xmlns:a16="http://schemas.microsoft.com/office/drawing/2014/main" id="{7881231D-DD5E-4DB8-AAB2-EC41547513A7}"/>
+              </a:ext>
+            </a:extLst>
+          </p:cNvPr>
+          <p:cNvSpPr txBox="1"/>
+          <p:nvPr/>
+        </p:nvSpPr>
+        <p:spPr>
+          <a:xfrm>
+            <a:off x="2231211" y="4982290"/>
+            <a:ext cx="6565686" cy="369332"/>
+          </a:xfrm>
+          <a:prstGeom prst="rect">
+            <a:avLst/>
+          </a:prstGeom>
+          <a:noFill/>
+        </p:spPr>
+        <p:txBody>
+          <a:bodyPr wrap="square" rtlCol="0">
+            <a:spAutoFit/>
+          </a:bodyPr>
+          <a:lstStyle/>
+          <a:p>
+            <a:r>
+              <a:rPr lang="en-MY" dirty="0"/>
+              <a:t>RNN can derive some parameters from its forward node,</a:t>
+            </a:r>
+            <a:endParaRPr lang="en-US" dirty="0"/>
           </a:p>
         </p:txBody>
       </p:sp>
     </p:spTree>
     <p:extLst>
       <p:ext uri="{BB962C8B-B14F-4D97-AF65-F5344CB8AC3E}">
-        <p14:creationId xmlns:p14="http://schemas.microsoft.com/office/powerpoint/2010/main" val="1964593517"/>
+        <p14:creationId xmlns:p14="http://schemas.microsoft.com/office/powerpoint/2010/main" val="2249221443"/>
       </p:ext>
     </p:extLst>
   </p:cSld>
@@ -6219,7 +6100,7 @@
           <p:cNvPr id="2" name="Title 1">
             <a:extLst>
               <a:ext uri="{FF2B5EF4-FFF2-40B4-BE49-F238E27FC236}">
-                <a16:creationId xmlns:a16="http://schemas.microsoft.com/office/drawing/2014/main" id="{32A1A432-2918-41F6-B030-F5FBC38A324E}"/>
+                <a16:creationId xmlns:a16="http://schemas.microsoft.com/office/drawing/2014/main" id="{21FF45D8-377F-4CC2-8AE3-CA1A9D3AE3BE}"/>
               </a:ext>
             </a:extLst>
           </p:cNvPr>
@@ -6236,87 +6117,206 @@
           <a:lstStyle/>
           <a:p>
             <a:r>
-              <a:rPr lang="en-US" dirty="0"/>
-              <a:t>RNN structure</a:t>
-            </a:r>
-          </a:p>
-        </p:txBody>
-      </p:sp>
-      <p:pic>
-        <p:nvPicPr>
-          <p:cNvPr id="5" name="Content Placeholder 4">
+              <a:rPr lang="en-MY" dirty="0"/>
+              <a:t>What is LSTM?</a:t>
+            </a:r>
+          </a:p>
+        </p:txBody>
+      </p:sp>
+      <p:sp>
+        <p:nvSpPr>
+          <p:cNvPr id="3" name="Content Placeholder 2">
             <a:extLst>
               <a:ext uri="{FF2B5EF4-FFF2-40B4-BE49-F238E27FC236}">
-                <a16:creationId xmlns:a16="http://schemas.microsoft.com/office/drawing/2014/main" id="{9281C922-B5BC-486F-A564-8190B952C423}"/>
+                <a16:creationId xmlns:a16="http://schemas.microsoft.com/office/drawing/2014/main" id="{C0E7BA72-9E50-499E-90A3-5D9086B36678}"/>
               </a:ext>
             </a:extLst>
           </p:cNvPr>
-          <p:cNvPicPr>
-            <a:picLocks noGrp="1" noChangeAspect="1"/>
-          </p:cNvPicPr>
+          <p:cNvSpPr>
+            <a:spLocks noGrp="1"/>
+          </p:cNvSpPr>
           <p:nvPr>
             <p:ph idx="1"/>
           </p:nvPr>
-        </p:nvPicPr>
-        <p:blipFill>
-          <a:blip r:embed="rId2">
-            <a:extLst>
-              <a:ext uri="{28A0092B-C50C-407E-A947-70E740481C1C}">
-                <a14:useLocalDpi xmlns:a14="http://schemas.microsoft.com/office/drawing/2010/main" val="0"/>
-              </a:ext>
-            </a:extLst>
-          </a:blip>
-          <a:stretch>
-            <a:fillRect/>
-          </a:stretch>
-        </p:blipFill>
-        <p:spPr>
-          <a:xfrm>
-            <a:off x="1852293" y="2305900"/>
-            <a:ext cx="7456668" cy="2485556"/>
-          </a:xfrm>
-        </p:spPr>
-      </p:pic>
-      <p:sp>
-        <p:nvSpPr>
-          <p:cNvPr id="7" name="TextBox 6">
-            <a:extLst>
-              <a:ext uri="{FF2B5EF4-FFF2-40B4-BE49-F238E27FC236}">
-                <a16:creationId xmlns:a16="http://schemas.microsoft.com/office/drawing/2014/main" id="{7881231D-DD5E-4DB8-AAB2-EC41547513A7}"/>
-              </a:ext>
-            </a:extLst>
-          </p:cNvPr>
-          <p:cNvSpPr txBox="1"/>
-          <p:nvPr/>
-        </p:nvSpPr>
-        <p:spPr>
-          <a:xfrm>
-            <a:off x="2231211" y="4982290"/>
-            <a:ext cx="6565686" cy="369332"/>
-          </a:xfrm>
-          <a:prstGeom prst="rect">
-            <a:avLst/>
-          </a:prstGeom>
-          <a:noFill/>
-        </p:spPr>
-        <p:txBody>
-          <a:bodyPr wrap="square" rtlCol="0">
-            <a:spAutoFit/>
-          </a:bodyPr>
-          <a:lstStyle/>
-          <a:p>
-            <a:r>
-              <a:rPr lang="en-MY" dirty="0"/>
-              <a:t>RNN can derive some parameters from its forward node,</a:t>
-            </a:r>
-            <a:endParaRPr lang="en-US" dirty="0"/>
+        </p:nvSpPr>
+        <p:spPr/>
+        <p:txBody>
+          <a:bodyPr/>
+          <a:lstStyle/>
+          <a:p>
+            <a:r>
+              <a:rPr lang="en-MY" dirty="0">
+                <a:solidFill>
+                  <a:schemeClr val="tx1"/>
+                </a:solidFill>
+              </a:rPr>
+              <a:t>A type of </a:t>
+            </a:r>
+            <a:r>
+              <a:rPr lang="en-US" dirty="0">
+                <a:solidFill>
+                  <a:schemeClr val="tx1"/>
+                </a:solidFill>
+                <a:effectLst/>
+                <a:latin typeface="Arial" panose="020B0604020202020204" pitchFamily="34" charset="0"/>
+              </a:rPr>
+              <a:t>recurrent neural network (RNN) architecture. </a:t>
+            </a:r>
+          </a:p>
+          <a:p>
+            <a:r>
+              <a:rPr lang="en-US" dirty="0">
+                <a:solidFill>
+                  <a:srgbClr val="202122"/>
+                </a:solidFill>
+                <a:effectLst/>
+                <a:latin typeface="Arial" panose="020B0604020202020204" pitchFamily="34" charset="0"/>
+              </a:rPr>
+              <a:t>A common LSTM unit is composed of:</a:t>
+            </a:r>
+          </a:p>
+          <a:p>
+            <a:pPr lvl="1"/>
+            <a:r>
+              <a:rPr lang="en-US" dirty="0">
+                <a:solidFill>
+                  <a:srgbClr val="202122"/>
+                </a:solidFill>
+                <a:effectLst/>
+                <a:latin typeface="Arial" panose="020B0604020202020204" pitchFamily="34" charset="0"/>
+              </a:rPr>
+              <a:t>a cell: remembers values over time intervals</a:t>
+            </a:r>
+          </a:p>
+          <a:p>
+            <a:pPr lvl="1"/>
+            <a:r>
+              <a:rPr lang="en-US" dirty="0">
+                <a:solidFill>
+                  <a:srgbClr val="202122"/>
+                </a:solidFill>
+                <a:latin typeface="Arial" panose="020B0604020202020204" pitchFamily="34" charset="0"/>
+              </a:rPr>
+              <a:t>3 gates to </a:t>
+            </a:r>
+            <a:r>
+              <a:rPr lang="en-US" sz="1600" dirty="0">
+                <a:solidFill>
+                  <a:srgbClr val="202122"/>
+                </a:solidFill>
+                <a:effectLst/>
+                <a:latin typeface="Arial" panose="020B0604020202020204" pitchFamily="34" charset="0"/>
+              </a:rPr>
+              <a:t>regulate the flow of information into and out of the cell.</a:t>
+            </a:r>
+          </a:p>
+          <a:p>
+            <a:pPr lvl="2"/>
+            <a:r>
+              <a:rPr lang="en-US" dirty="0">
+                <a:solidFill>
+                  <a:srgbClr val="202122"/>
+                </a:solidFill>
+                <a:effectLst/>
+                <a:latin typeface="Arial" panose="020B0604020202020204" pitchFamily="34" charset="0"/>
+              </a:rPr>
+              <a:t>forget gate: decides to forget which information.</a:t>
+            </a:r>
+          </a:p>
+          <a:p>
+            <a:pPr lvl="2"/>
+            <a:r>
+              <a:rPr lang="en-US" dirty="0">
+                <a:solidFill>
+                  <a:srgbClr val="202122"/>
+                </a:solidFill>
+                <a:effectLst/>
+                <a:latin typeface="Arial" panose="020B0604020202020204" pitchFamily="34" charset="0"/>
+              </a:rPr>
+              <a:t>input gate: decides to update which value, and update cell states.</a:t>
+            </a:r>
+          </a:p>
+          <a:p>
+            <a:pPr lvl="2"/>
+            <a:r>
+              <a:rPr lang="en-US" dirty="0">
+                <a:solidFill>
+                  <a:srgbClr val="202122"/>
+                </a:solidFill>
+                <a:effectLst/>
+                <a:latin typeface="Arial" panose="020B0604020202020204" pitchFamily="34" charset="0"/>
+              </a:rPr>
+              <a:t>output gate: output filtered cell states.</a:t>
+            </a:r>
+          </a:p>
+          <a:p>
+            <a:r>
+              <a:rPr lang="en-US" dirty="0">
+                <a:solidFill>
+                  <a:srgbClr val="202122"/>
+                </a:solidFill>
+                <a:effectLst/>
+                <a:latin typeface="Arial" panose="020B0604020202020204" pitchFamily="34" charset="0"/>
+                <a:cs typeface="Arial" panose="020B0604020202020204" pitchFamily="34" charset="0"/>
+              </a:rPr>
+              <a:t>TL;DR</a:t>
+            </a:r>
+            <a:r>
+              <a:rPr lang="en-US" dirty="0">
+                <a:solidFill>
+                  <a:srgbClr val="202122"/>
+                </a:solidFill>
+                <a:latin typeface="Arial" panose="020B0604020202020204" pitchFamily="34" charset="0"/>
+                <a:cs typeface="Arial" panose="020B0604020202020204" pitchFamily="34" charset="0"/>
+              </a:rPr>
+              <a:t>: use past context to predict the output.</a:t>
+            </a:r>
+          </a:p>
+          <a:p>
+            <a:pPr lvl="1"/>
+            <a:r>
+              <a:rPr lang="en-US" dirty="0">
+                <a:solidFill>
+                  <a:srgbClr val="202122"/>
+                </a:solidFill>
+                <a:effectLst/>
+                <a:latin typeface="Arial" panose="020B0604020202020204" pitchFamily="34" charset="0"/>
+                <a:cs typeface="Arial" panose="020B0604020202020204" pitchFamily="34" charset="0"/>
+              </a:rPr>
+              <a:t>Example: trying to predict next word based on given sentence </a:t>
+            </a:r>
+          </a:p>
+          <a:p>
+            <a:pPr lvl="1"/>
+            <a:r>
+              <a:rPr lang="en-US" dirty="0">
+                <a:solidFill>
+                  <a:srgbClr val="202122"/>
+                </a:solidFill>
+                <a:effectLst/>
+                <a:latin typeface="Arial" panose="020B0604020202020204" pitchFamily="34" charset="0"/>
+                <a:cs typeface="Arial" panose="020B0604020202020204" pitchFamily="34" charset="0"/>
+              </a:rPr>
+              <a:t>“he went to pool to …”</a:t>
+            </a:r>
+          </a:p>
+          <a:p>
+            <a:pPr lvl="1"/>
+            <a:endParaRPr lang="en-US" dirty="0">
+              <a:solidFill>
+                <a:srgbClr val="202122"/>
+              </a:solidFill>
+              <a:effectLst/>
+              <a:latin typeface="Arial" panose="020B0604020202020204" pitchFamily="34" charset="0"/>
+              <a:cs typeface="Arial" panose="020B0604020202020204" pitchFamily="34" charset="0"/>
+            </a:endParaRPr>
           </a:p>
         </p:txBody>
       </p:sp>
     </p:spTree>
     <p:extLst>
       <p:ext uri="{BB962C8B-B14F-4D97-AF65-F5344CB8AC3E}">
-        <p14:creationId xmlns:p14="http://schemas.microsoft.com/office/powerpoint/2010/main" val="2249221443"/>
+        <p14:creationId xmlns:p14="http://schemas.microsoft.com/office/powerpoint/2010/main" val="1964593517"/>
       </p:ext>
     </p:extLst>
   </p:cSld>
@@ -6827,6 +6827,36 @@
           </a:p>
         </p:txBody>
       </p:sp>
+      <p:pic>
+        <p:nvPicPr>
+          <p:cNvPr id="4" name="Picture 3">
+            <a:extLst>
+              <a:ext uri="{FF2B5EF4-FFF2-40B4-BE49-F238E27FC236}">
+                <a16:creationId xmlns:a16="http://schemas.microsoft.com/office/drawing/2014/main" id="{44EB374F-2DC0-43D8-862B-2F51DB658F65}"/>
+              </a:ext>
+            </a:extLst>
+          </p:cNvPr>
+          <p:cNvPicPr>
+            <a:picLocks noChangeAspect="1"/>
+          </p:cNvPicPr>
+          <p:nvPr/>
+        </p:nvPicPr>
+        <p:blipFill>
+          <a:blip r:embed="rId2"/>
+          <a:stretch>
+            <a:fillRect/>
+          </a:stretch>
+        </p:blipFill>
+        <p:spPr>
+          <a:xfrm>
+            <a:off x="4975668" y="435875"/>
+            <a:ext cx="6781800" cy="2628900"/>
+          </a:xfrm>
+          <a:prstGeom prst="rect">
+            <a:avLst/>
+          </a:prstGeom>
+        </p:spPr>
+      </p:pic>
     </p:spTree>
     <p:extLst>
       <p:ext uri="{BB962C8B-B14F-4D97-AF65-F5344CB8AC3E}">
@@ -7752,10 +7782,10 @@
       </p:sp>
       <p:pic>
         <p:nvPicPr>
-          <p:cNvPr id="7" name="Picture 6">
+          <p:cNvPr id="5" name="Picture 4">
             <a:extLst>
               <a:ext uri="{FF2B5EF4-FFF2-40B4-BE49-F238E27FC236}">
-                <a16:creationId xmlns:a16="http://schemas.microsoft.com/office/drawing/2014/main" id="{A62F32F5-3067-4763-9514-722F521596CF}"/>
+                <a16:creationId xmlns:a16="http://schemas.microsoft.com/office/drawing/2014/main" id="{3B6E8123-D3AD-4D6E-BF02-619AB4F1CF3F}"/>
               </a:ext>
             </a:extLst>
           </p:cNvPr>
@@ -7765,15 +7795,21 @@
           <p:nvPr/>
         </p:nvPicPr>
         <p:blipFill>
-          <a:blip r:embed="rId2"/>
+          <a:blip r:embed="rId2">
+            <a:extLst>
+              <a:ext uri="{28A0092B-C50C-407E-A947-70E740481C1C}">
+                <a14:useLocalDpi xmlns:a14="http://schemas.microsoft.com/office/drawing/2010/main" val="0"/>
+              </a:ext>
+            </a:extLst>
+          </a:blip>
           <a:stretch>
             <a:fillRect/>
           </a:stretch>
         </p:blipFill>
         <p:spPr>
           <a:xfrm>
-            <a:off x="215772" y="1930400"/>
-            <a:ext cx="9403330" cy="2121483"/>
+            <a:off x="386903" y="1474365"/>
+            <a:ext cx="9562528" cy="2345122"/>
           </a:xfrm>
           <a:prstGeom prst="rect">
             <a:avLst/>
@@ -8542,7 +8578,7 @@
 </file>
 
 <file path=ppt/slides/slide5.xml><?xml version="1.0" encoding="utf-8"?>
-<p:sld xmlns:a="http://schemas.openxmlformats.org/drawingml/2006/main" xmlns:r="http://schemas.openxmlformats.org/officeDocument/2006/relationships" xmlns:p="http://schemas.openxmlformats.org/presentationml/2006/main" show="0">
+<p:sld xmlns:a="http://schemas.openxmlformats.org/drawingml/2006/main" xmlns:r="http://schemas.openxmlformats.org/officeDocument/2006/relationships" xmlns:p="http://schemas.openxmlformats.org/presentationml/2006/main">
   <p:cSld>
     <p:spTree>
       <p:nvGrpSpPr>

--- a/Pre.pptx
+++ b/Pre.pptx
@@ -7093,7 +7093,7 @@
             </a:r>
             <a:r>
               <a:rPr lang="en-US" altLang="zh-CN" dirty="0"/>
-              <a:t>0.764</a:t>
+              <a:t>0.771</a:t>
             </a:r>
             <a:endParaRPr lang="en-MY" dirty="0"/>
           </a:p>
@@ -7782,10 +7782,10 @@
       </p:sp>
       <p:pic>
         <p:nvPicPr>
-          <p:cNvPr id="5" name="Picture 4">
+          <p:cNvPr id="8" name="Picture 7">
             <a:extLst>
               <a:ext uri="{FF2B5EF4-FFF2-40B4-BE49-F238E27FC236}">
-                <a16:creationId xmlns:a16="http://schemas.microsoft.com/office/drawing/2014/main" id="{3B6E8123-D3AD-4D6E-BF02-619AB4F1CF3F}"/>
+                <a16:creationId xmlns:a16="http://schemas.microsoft.com/office/drawing/2014/main" id="{F93DB314-2D16-48D1-BDD9-9934BEC5A62E}"/>
               </a:ext>
             </a:extLst>
           </p:cNvPr>
@@ -7795,21 +7795,15 @@
           <p:nvPr/>
         </p:nvPicPr>
         <p:blipFill>
-          <a:blip r:embed="rId2">
-            <a:extLst>
-              <a:ext uri="{28A0092B-C50C-407E-A947-70E740481C1C}">
-                <a14:useLocalDpi xmlns:a14="http://schemas.microsoft.com/office/drawing/2010/main" val="0"/>
-              </a:ext>
-            </a:extLst>
-          </a:blip>
+          <a:blip r:embed="rId2"/>
           <a:stretch>
             <a:fillRect/>
           </a:stretch>
         </p:blipFill>
         <p:spPr>
           <a:xfrm>
-            <a:off x="386903" y="1474365"/>
-            <a:ext cx="9562528" cy="2345122"/>
+            <a:off x="773439" y="1717689"/>
+            <a:ext cx="8968414" cy="1914744"/>
           </a:xfrm>
           <a:prstGeom prst="rect">
             <a:avLst/>
